--- a/Конференции/Icoc/ICOC 2023 Мансуров.pptx
+++ b/Конференции/Icoc/ICOC 2023 Мансуров.pptx
@@ -233,7 +233,7 @@
             <a:fld id="{8A2956D5-2046-4B16-B158-28749009537F}" type="datetimeFigureOut">
               <a:rPr lang="ru-RU" smtClean="0"/>
               <a:pPr/>
-              <a:t>12.06.2023</a:t>
+              <a:t>15.06.2023</a:t>
             </a:fld>
             <a:endParaRPr lang="ru-RU"/>
           </a:p>
@@ -634,7 +634,7 @@
             <a:fld id="{668F77C6-B837-4C28-B069-E60D1A7F8F4C}" type="datetime1">
               <a:rPr lang="ru-RU" smtClean="0"/>
               <a:pPr/>
-              <a:t>12.06.2023</a:t>
+              <a:t>15.06.2023</a:t>
             </a:fld>
             <a:endParaRPr lang="ru-RU"/>
           </a:p>
@@ -806,7 +806,7 @@
             <a:fld id="{E15233C2-C826-421D-8751-732F81C941BB}" type="datetime1">
               <a:rPr lang="ru-RU" smtClean="0"/>
               <a:pPr/>
-              <a:t>12.06.2023</a:t>
+              <a:t>15.06.2023</a:t>
             </a:fld>
             <a:endParaRPr lang="ru-RU"/>
           </a:p>
@@ -988,7 +988,7 @@
             <a:fld id="{F047989F-906F-40DE-BA90-D14E94A416BA}" type="datetime1">
               <a:rPr lang="ru-RU" smtClean="0"/>
               <a:pPr/>
-              <a:t>12.06.2023</a:t>
+              <a:t>15.06.2023</a:t>
             </a:fld>
             <a:endParaRPr lang="ru-RU"/>
           </a:p>
@@ -1160,7 +1160,7 @@
             <a:fld id="{D56CFF60-0E50-453A-81B9-424AB7DE66CD}" type="datetime1">
               <a:rPr lang="ru-RU" smtClean="0"/>
               <a:pPr/>
-              <a:t>12.06.2023</a:t>
+              <a:t>15.06.2023</a:t>
             </a:fld>
             <a:endParaRPr lang="ru-RU"/>
           </a:p>
@@ -1412,7 +1412,7 @@
             <a:fld id="{1EADCEAB-127F-4906-8280-7B6697A13E33}" type="datetime1">
               <a:rPr lang="ru-RU" smtClean="0"/>
               <a:pPr/>
-              <a:t>12.06.2023</a:t>
+              <a:t>15.06.2023</a:t>
             </a:fld>
             <a:endParaRPr lang="ru-RU"/>
           </a:p>
@@ -1646,7 +1646,7 @@
             <a:fld id="{772B70F3-DD83-40E6-8787-116CC1402285}" type="datetime1">
               <a:rPr lang="ru-RU" smtClean="0"/>
               <a:pPr/>
-              <a:t>12.06.2023</a:t>
+              <a:t>15.06.2023</a:t>
             </a:fld>
             <a:endParaRPr lang="ru-RU"/>
           </a:p>
@@ -2015,7 +2015,7 @@
             <a:fld id="{EFBC4BE1-28D4-4D8B-A423-5A2E1BA6934C}" type="datetime1">
               <a:rPr lang="ru-RU" smtClean="0"/>
               <a:pPr/>
-              <a:t>12.06.2023</a:t>
+              <a:t>15.06.2023</a:t>
             </a:fld>
             <a:endParaRPr lang="ru-RU"/>
           </a:p>
@@ -2135,7 +2135,7 @@
             <a:fld id="{6B7A375C-D316-441C-BBA4-36702FCEB310}" type="datetime1">
               <a:rPr lang="ru-RU" smtClean="0"/>
               <a:pPr/>
-              <a:t>12.06.2023</a:t>
+              <a:t>15.06.2023</a:t>
             </a:fld>
             <a:endParaRPr lang="ru-RU"/>
           </a:p>
@@ -2232,7 +2232,7 @@
             <a:fld id="{3EE6ABA4-7B05-4C08-9A73-CF8D6885218A}" type="datetime1">
               <a:rPr lang="ru-RU" smtClean="0"/>
               <a:pPr/>
-              <a:t>12.06.2023</a:t>
+              <a:t>15.06.2023</a:t>
             </a:fld>
             <a:endParaRPr lang="ru-RU"/>
           </a:p>
@@ -2511,7 +2511,7 @@
             <a:fld id="{F7A499FF-A70C-4AC7-8F4A-A5151C1A7370}" type="datetime1">
               <a:rPr lang="ru-RU" smtClean="0"/>
               <a:pPr/>
-              <a:t>12.06.2023</a:t>
+              <a:t>15.06.2023</a:t>
             </a:fld>
             <a:endParaRPr lang="ru-RU"/>
           </a:p>
@@ -2766,7 +2766,7 @@
             <a:fld id="{52FB4F09-8D8A-4907-99B4-463641EA0A07}" type="datetime1">
               <a:rPr lang="ru-RU" smtClean="0"/>
               <a:pPr/>
-              <a:t>12.06.2023</a:t>
+              <a:t>15.06.2023</a:t>
             </a:fld>
             <a:endParaRPr lang="ru-RU"/>
           </a:p>
@@ -2981,7 +2981,7 @@
             <a:fld id="{96489DF9-334F-4539-8237-D412EE1173F0}" type="datetime1">
               <a:rPr lang="ru-RU" smtClean="0"/>
               <a:pPr/>
-              <a:t>12.06.2023</a:t>
+              <a:t>15.06.2023</a:t>
             </a:fld>
             <a:endParaRPr lang="ru-RU"/>
           </a:p>
@@ -3550,6 +3550,13 @@
               <a:t>Ренатович</a:t>
             </a:r>
             <a:r>
+              <a:rPr lang="ru-RU" sz="1600" i="1" dirty="0" smtClean="0">
+                <a:latin typeface="Times New Roman" pitchFamily="18" charset="0"/>
+                <a:cs typeface="Times New Roman" pitchFamily="18" charset="0"/>
+              </a:rPr>
+              <a:t>, Королев Станислав Анатольевич</a:t>
+            </a:r>
+            <a:r>
               <a:rPr lang="ru-RU" sz="1800" cap="all" dirty="0" smtClean="0">
                 <a:latin typeface="Times New Roman" pitchFamily="18" charset="0"/>
                 <a:cs typeface="Times New Roman" pitchFamily="18" charset="0"/>
@@ -3649,7 +3656,7 @@
               </a:spcBef>
             </a:pPr>
             <a:r>
-              <a:rPr lang="ru-RU" sz="1200" dirty="0">
+              <a:rPr lang="ru-RU" sz="1200" b="1" dirty="0">
                 <a:solidFill>
                   <a:schemeClr val="tx2"/>
                 </a:solidFill>
@@ -3658,7 +3665,7 @@
               <a:t>XI Всероссийская Конференция по </a:t>
             </a:r>
             <a:r>
-              <a:rPr lang="ru-RU" sz="1200" dirty="0" err="1">
+              <a:rPr lang="ru-RU" sz="1200" b="1" dirty="0" err="1">
                 <a:solidFill>
                   <a:schemeClr val="tx2"/>
                 </a:solidFill>
@@ -3667,7 +3674,7 @@
               <a:t>внутрикамерным</a:t>
             </a:r>
             <a:r>
-              <a:rPr lang="ru-RU" sz="1200" dirty="0">
+              <a:rPr lang="ru-RU" sz="1200" b="1" dirty="0">
                 <a:solidFill>
                   <a:schemeClr val="tx2"/>
                 </a:solidFill>
@@ -3676,7 +3683,7 @@
               <a:t> процессам и горению в установках на твердом топливе и ствольных системах (</a:t>
             </a:r>
             <a:r>
-              <a:rPr lang="ru-RU" sz="1200" dirty="0" smtClean="0">
+              <a:rPr lang="ru-RU" sz="1200" b="1" dirty="0" smtClean="0">
                 <a:solidFill>
                   <a:schemeClr val="tx2"/>
                 </a:solidFill>
@@ -3692,7 +3699,7 @@
               </a:spcBef>
             </a:pPr>
             <a:r>
-              <a:rPr lang="ru-RU" sz="1200" dirty="0" smtClean="0">
+              <a:rPr lang="ru-RU" sz="1200" b="1" dirty="0" smtClean="0">
                 <a:solidFill>
                   <a:schemeClr val="tx2"/>
                 </a:solidFill>
@@ -3701,7 +3708,7 @@
               <a:t>14 </a:t>
             </a:r>
             <a:r>
-              <a:rPr lang="ru-RU" sz="1200" dirty="0">
+              <a:rPr lang="ru-RU" sz="1200" b="1" dirty="0">
                 <a:solidFill>
                   <a:schemeClr val="tx2"/>
                 </a:solidFill>
@@ -3709,12 +3716,6 @@
               </a:rPr>
               <a:t>– 16 июня, 2023г., Ижевск</a:t>
             </a:r>
-            <a:endParaRPr lang="ru-RU" sz="1200" dirty="0">
-              <a:solidFill>
-                <a:schemeClr val="tx2"/>
-              </a:solidFill>
-              <a:latin typeface="Bookman Old Style" panose="02050604050505020204" pitchFamily="18" charset="0"/>
-            </a:endParaRPr>
           </a:p>
         </p:txBody>
       </p:sp>
@@ -9827,7 +9828,7 @@
           <a:graphicData uri="http://schemas.openxmlformats.org/presentationml/2006/ole">
             <mc:AlternateContent xmlns:mc="http://schemas.openxmlformats.org/markup-compatibility/2006">
               <mc:Choice xmlns:v="urn:schemas-microsoft-com:vml" Requires="v">
-                <p:oleObj spid="_x0000_s42401" name="Уравнение" r:id="rId3" imgW="812520" imgH="482400" progId="Equation.3">
+                <p:oleObj spid="_x0000_s42405" name="Уравнение" r:id="rId3" imgW="812520" imgH="482400" progId="Equation.3">
                   <p:embed/>
                 </p:oleObj>
               </mc:Choice>
@@ -10007,7 +10008,7 @@
           <a:graphicData uri="http://schemas.openxmlformats.org/presentationml/2006/ole">
             <mc:AlternateContent xmlns:mc="http://schemas.openxmlformats.org/markup-compatibility/2006">
               <mc:Choice xmlns:v="urn:schemas-microsoft-com:vml" Requires="v">
-                <p:oleObj spid="_x0000_s42402" name="Уравнение" r:id="rId5" imgW="787320" imgH="507960" progId="Equation.3">
+                <p:oleObj spid="_x0000_s42406" name="Уравнение" r:id="rId5" imgW="787320" imgH="507960" progId="Equation.3">
                   <p:embed/>
                 </p:oleObj>
               </mc:Choice>
@@ -10064,7 +10065,7 @@
           <a:graphicData uri="http://schemas.openxmlformats.org/presentationml/2006/ole">
             <mc:AlternateContent xmlns:mc="http://schemas.openxmlformats.org/markup-compatibility/2006">
               <mc:Choice xmlns:v="urn:schemas-microsoft-com:vml" Requires="v">
-                <p:oleObj spid="_x0000_s42403" name="Уравнение" r:id="rId7" imgW="977760" imgH="520560" progId="Equation.3">
+                <p:oleObj spid="_x0000_s42407" name="Уравнение" r:id="rId7" imgW="977760" imgH="520560" progId="Equation.3">
                   <p:embed/>
                 </p:oleObj>
               </mc:Choice>
@@ -10251,7 +10252,7 @@
           <a:graphicData uri="http://schemas.openxmlformats.org/presentationml/2006/ole">
             <mc:AlternateContent xmlns:mc="http://schemas.openxmlformats.org/markup-compatibility/2006">
               <mc:Choice xmlns:v="urn:schemas-microsoft-com:vml" Requires="v">
-                <p:oleObj spid="_x0000_s42404" name="Уравнение" r:id="rId9" imgW="812520" imgH="203040" progId="Equation.3">
+                <p:oleObj spid="_x0000_s42408" name="Уравнение" r:id="rId9" imgW="812520" imgH="203040" progId="Equation.3">
                   <p:embed/>
                 </p:oleObj>
               </mc:Choice>
@@ -14676,7 +14677,7 @@
           <a:graphicData uri="http://schemas.openxmlformats.org/presentationml/2006/ole">
             <mc:AlternateContent xmlns:mc="http://schemas.openxmlformats.org/markup-compatibility/2006">
               <mc:Choice xmlns:v="urn:schemas-microsoft-com:vml" Requires="v">
-                <p:oleObj spid="_x0000_s52399" name="Формула" r:id="rId3" imgW="266400" imgH="228600" progId="Equation.3">
+                <p:oleObj spid="_x0000_s52402" name="Формула" r:id="rId3" imgW="266400" imgH="228600" progId="Equation.3">
                   <p:embed/>
                 </p:oleObj>
               </mc:Choice>
@@ -14738,7 +14739,7 @@
           <a:graphicData uri="http://schemas.openxmlformats.org/presentationml/2006/ole">
             <mc:AlternateContent xmlns:mc="http://schemas.openxmlformats.org/markup-compatibility/2006">
               <mc:Choice xmlns:v="urn:schemas-microsoft-com:vml" Requires="v">
-                <p:oleObj spid="_x0000_s52400" name="Формула" r:id="rId5" imgW="558720" imgH="228600" progId="Equation.3">
+                <p:oleObj spid="_x0000_s52403" name="Формула" r:id="rId5" imgW="558720" imgH="228600" progId="Equation.3">
                   <p:embed/>
                 </p:oleObj>
               </mc:Choice>
@@ -14800,7 +14801,7 @@
           <a:graphicData uri="http://schemas.openxmlformats.org/presentationml/2006/ole">
             <mc:AlternateContent xmlns:mc="http://schemas.openxmlformats.org/markup-compatibility/2006">
               <mc:Choice xmlns:v="urn:schemas-microsoft-com:vml" Requires="v">
-                <p:oleObj spid="_x0000_s52401" name="Формула" r:id="rId7" imgW="330057" imgH="203112" progId="">
+                <p:oleObj spid="_x0000_s52404" name="Формула" r:id="rId7" imgW="330057" imgH="203112" progId="">
                   <p:embed/>
                 </p:oleObj>
               </mc:Choice>
@@ -20915,7 +20916,7 @@
           <a:graphicData uri="http://schemas.openxmlformats.org/presentationml/2006/ole">
             <mc:AlternateContent xmlns:mc="http://schemas.openxmlformats.org/markup-compatibility/2006">
               <mc:Choice xmlns:v="urn:schemas-microsoft-com:vml" Requires="v">
-                <p:oleObj spid="_x0000_s50698" name="Формула" r:id="rId3" imgW="317160" imgH="164880" progId="Equation.3">
+                <p:oleObj spid="_x0000_s50714" name="Формула" r:id="rId3" imgW="317160" imgH="164880" progId="Equation.3">
                   <p:embed/>
                 </p:oleObj>
               </mc:Choice>
@@ -20985,7 +20986,7 @@
           <a:graphicData uri="http://schemas.openxmlformats.org/presentationml/2006/ole">
             <mc:AlternateContent xmlns:mc="http://schemas.openxmlformats.org/markup-compatibility/2006">
               <mc:Choice xmlns:v="urn:schemas-microsoft-com:vml" Requires="v">
-                <p:oleObj spid="_x0000_s50699" name="Формула" r:id="rId5" imgW="1307880" imgH="241200" progId="Equation.3">
+                <p:oleObj spid="_x0000_s50715" name="Формула" r:id="rId5" imgW="1307880" imgH="241200" progId="Equation.3">
                   <p:embed/>
                 </p:oleObj>
               </mc:Choice>
@@ -21055,7 +21056,7 @@
           <a:graphicData uri="http://schemas.openxmlformats.org/presentationml/2006/ole">
             <mc:AlternateContent xmlns:mc="http://schemas.openxmlformats.org/markup-compatibility/2006">
               <mc:Choice xmlns:v="urn:schemas-microsoft-com:vml" Requires="v">
-                <p:oleObj spid="_x0000_s50700" name="Формула" r:id="rId7" imgW="596880" imgH="431640" progId="Equation.3">
+                <p:oleObj spid="_x0000_s50716" name="Формула" r:id="rId7" imgW="596880" imgH="431640" progId="Equation.3">
                   <p:embed/>
                 </p:oleObj>
               </mc:Choice>
@@ -21125,7 +21126,7 @@
           <a:graphicData uri="http://schemas.openxmlformats.org/presentationml/2006/ole">
             <mc:AlternateContent xmlns:mc="http://schemas.openxmlformats.org/markup-compatibility/2006">
               <mc:Choice xmlns:v="urn:schemas-microsoft-com:vml" Requires="v">
-                <p:oleObj spid="_x0000_s50701" name="Формула" r:id="rId9" imgW="1028520" imgH="431640" progId="Equation.3">
+                <p:oleObj spid="_x0000_s50717" name="Формула" r:id="rId9" imgW="1028520" imgH="431640" progId="Equation.3">
                   <p:embed/>
                 </p:oleObj>
               </mc:Choice>
@@ -21195,7 +21196,7 @@
           <a:graphicData uri="http://schemas.openxmlformats.org/presentationml/2006/ole">
             <mc:AlternateContent xmlns:mc="http://schemas.openxmlformats.org/markup-compatibility/2006">
               <mc:Choice xmlns:v="urn:schemas-microsoft-com:vml" Requires="v">
-                <p:oleObj spid="_x0000_s50702" name="Формула" r:id="rId11" imgW="1282680" imgH="228600" progId="Equation.3">
+                <p:oleObj spid="_x0000_s50718" name="Формула" r:id="rId11" imgW="1282680" imgH="228600" progId="Equation.3">
                   <p:embed/>
                 </p:oleObj>
               </mc:Choice>
@@ -21265,7 +21266,7 @@
           <a:graphicData uri="http://schemas.openxmlformats.org/presentationml/2006/ole">
             <mc:AlternateContent xmlns:mc="http://schemas.openxmlformats.org/markup-compatibility/2006">
               <mc:Choice xmlns:v="urn:schemas-microsoft-com:vml" Requires="v">
-                <p:oleObj spid="_x0000_s50703" name="Формула" r:id="rId13" imgW="1130040" imgH="431640" progId="Equation.3">
+                <p:oleObj spid="_x0000_s50719" name="Формула" r:id="rId13" imgW="1130040" imgH="431640" progId="Equation.3">
                   <p:embed/>
                 </p:oleObj>
               </mc:Choice>
@@ -21335,7 +21336,7 @@
           <a:graphicData uri="http://schemas.openxmlformats.org/presentationml/2006/ole">
             <mc:AlternateContent xmlns:mc="http://schemas.openxmlformats.org/markup-compatibility/2006">
               <mc:Choice xmlns:v="urn:schemas-microsoft-com:vml" Requires="v">
-                <p:oleObj spid="_x0000_s50704" name="Формула" r:id="rId15" imgW="1447560" imgH="495000" progId="Equation.3">
+                <p:oleObj spid="_x0000_s50720" name="Формула" r:id="rId15" imgW="1447560" imgH="495000" progId="Equation.3">
                   <p:embed/>
                 </p:oleObj>
               </mc:Choice>
@@ -21405,7 +21406,7 @@
           <a:graphicData uri="http://schemas.openxmlformats.org/presentationml/2006/ole">
             <mc:AlternateContent xmlns:mc="http://schemas.openxmlformats.org/markup-compatibility/2006">
               <mc:Choice xmlns:v="urn:schemas-microsoft-com:vml" Requires="v">
-                <p:oleObj spid="_x0000_s50705" name="Формула" r:id="rId17" imgW="749160" imgH="241200" progId="Equation.3">
+                <p:oleObj spid="_x0000_s50721" name="Формула" r:id="rId17" imgW="749160" imgH="241200" progId="Equation.3">
                   <p:embed/>
                 </p:oleObj>
               </mc:Choice>
@@ -21475,7 +21476,7 @@
           <a:graphicData uri="http://schemas.openxmlformats.org/presentationml/2006/ole">
             <mc:AlternateContent xmlns:mc="http://schemas.openxmlformats.org/markup-compatibility/2006">
               <mc:Choice xmlns:v="urn:schemas-microsoft-com:vml" Requires="v">
-                <p:oleObj spid="_x0000_s50706" name="Формула" r:id="rId19" imgW="1206360" imgH="241200" progId="Equation.3">
+                <p:oleObj spid="_x0000_s50722" name="Формула" r:id="rId19" imgW="1206360" imgH="241200" progId="Equation.3">
                   <p:embed/>
                 </p:oleObj>
               </mc:Choice>
@@ -21545,7 +21546,7 @@
           <a:graphicData uri="http://schemas.openxmlformats.org/presentationml/2006/ole">
             <mc:AlternateContent xmlns:mc="http://schemas.openxmlformats.org/markup-compatibility/2006">
               <mc:Choice xmlns:v="urn:schemas-microsoft-com:vml" Requires="v">
-                <p:oleObj spid="_x0000_s50707" name="Формула" r:id="rId21" imgW="634680" imgH="393480" progId="Equation.3">
+                <p:oleObj spid="_x0000_s50723" name="Формула" r:id="rId21" imgW="634680" imgH="393480" progId="Equation.3">
                   <p:embed/>
                 </p:oleObj>
               </mc:Choice>
@@ -21615,7 +21616,7 @@
           <a:graphicData uri="http://schemas.openxmlformats.org/presentationml/2006/ole">
             <mc:AlternateContent xmlns:mc="http://schemas.openxmlformats.org/markup-compatibility/2006">
               <mc:Choice xmlns:v="urn:schemas-microsoft-com:vml" Requires="v">
-                <p:oleObj spid="_x0000_s50708" name="Уравнение" r:id="rId23" imgW="4356000" imgH="482400" progId="Equation.3">
+                <p:oleObj spid="_x0000_s50724" name="Уравнение" r:id="rId23" imgW="4356000" imgH="482400" progId="Equation.3">
                   <p:embed/>
                 </p:oleObj>
               </mc:Choice>
@@ -21685,7 +21686,7 @@
           <a:graphicData uri="http://schemas.openxmlformats.org/presentationml/2006/ole">
             <mc:AlternateContent xmlns:mc="http://schemas.openxmlformats.org/markup-compatibility/2006">
               <mc:Choice xmlns:v="urn:schemas-microsoft-com:vml" Requires="v">
-                <p:oleObj spid="_x0000_s50709" name="Формула" r:id="rId25" imgW="2946240" imgH="431640" progId="Equation.3">
+                <p:oleObj spid="_x0000_s50725" name="Формула" r:id="rId25" imgW="2946240" imgH="431640" progId="Equation.3">
                   <p:embed/>
                 </p:oleObj>
               </mc:Choice>
@@ -22840,7 +22841,7 @@
           <a:graphicData uri="http://schemas.openxmlformats.org/presentationml/2006/ole">
             <mc:AlternateContent xmlns:mc="http://schemas.openxmlformats.org/markup-compatibility/2006">
               <mc:Choice xmlns:v="urn:schemas-microsoft-com:vml" Requires="v">
-                <p:oleObj spid="_x0000_s50710" name="Picture" r:id="rId27" imgW="5861465" imgH="2543447" progId="Word.Picture.8">
+                <p:oleObj spid="_x0000_s50726" name="Picture" r:id="rId27" imgW="5861465" imgH="2543447" progId="Word.Picture.8">
                   <p:embed/>
                 </p:oleObj>
               </mc:Choice>
@@ -23072,7 +23073,7 @@
           <a:graphicData uri="http://schemas.openxmlformats.org/presentationml/2006/ole">
             <mc:AlternateContent xmlns:mc="http://schemas.openxmlformats.org/markup-compatibility/2006">
               <mc:Choice xmlns:v="urn:schemas-microsoft-com:vml" Requires="v">
-                <p:oleObj spid="_x0000_s50711" name="Уравнение" r:id="rId29" imgW="3593880" imgH="965160" progId="Equation.3">
+                <p:oleObj spid="_x0000_s50727" name="Уравнение" r:id="rId29" imgW="3593880" imgH="965160" progId="Equation.3">
                   <p:embed/>
                 </p:oleObj>
               </mc:Choice>
@@ -23142,7 +23143,7 @@
           <a:graphicData uri="http://schemas.openxmlformats.org/presentationml/2006/ole">
             <mc:AlternateContent xmlns:mc="http://schemas.openxmlformats.org/markup-compatibility/2006">
               <mc:Choice xmlns:v="urn:schemas-microsoft-com:vml" Requires="v">
-                <p:oleObj spid="_x0000_s50712" name="Уравнение" r:id="rId31" imgW="1739880" imgH="241200" progId="Equation.3">
+                <p:oleObj spid="_x0000_s50728" name="Уравнение" r:id="rId31" imgW="1739880" imgH="241200" progId="Equation.3">
                   <p:embed/>
                 </p:oleObj>
               </mc:Choice>
@@ -23212,7 +23213,7 @@
           <a:graphicData uri="http://schemas.openxmlformats.org/presentationml/2006/ole">
             <mc:AlternateContent xmlns:mc="http://schemas.openxmlformats.org/markup-compatibility/2006">
               <mc:Choice xmlns:v="urn:schemas-microsoft-com:vml" Requires="v">
-                <p:oleObj spid="_x0000_s50713" name="Уравнение" r:id="rId33" imgW="1130040" imgH="393480" progId="Equation.3">
+                <p:oleObj spid="_x0000_s50729" name="Уравнение" r:id="rId33" imgW="1130040" imgH="393480" progId="Equation.3">
                   <p:embed/>
                 </p:oleObj>
               </mc:Choice>
@@ -25124,7 +25125,7 @@
           <a:graphicData uri="http://schemas.openxmlformats.org/presentationml/2006/ole">
             <mc:AlternateContent xmlns:mc="http://schemas.openxmlformats.org/markup-compatibility/2006">
               <mc:Choice xmlns:v="urn:schemas-microsoft-com:vml" Requires="v">
-                <p:oleObj spid="_x0000_s51560" name="Формула" r:id="rId3" imgW="545760" imgH="241200" progId="Equation.3">
+                <p:oleObj spid="_x0000_s51570" name="Формула" r:id="rId3" imgW="545760" imgH="241200" progId="Equation.3">
                   <p:embed/>
                 </p:oleObj>
               </mc:Choice>
@@ -25419,7 +25420,7 @@
           <a:graphicData uri="http://schemas.openxmlformats.org/presentationml/2006/ole">
             <mc:AlternateContent xmlns:mc="http://schemas.openxmlformats.org/markup-compatibility/2006">
               <mc:Choice xmlns:v="urn:schemas-microsoft-com:vml" Requires="v">
-                <p:oleObj spid="_x0000_s51561" name="Формула" r:id="rId5" imgW="1485720" imgH="609480" progId="Equation.3">
+                <p:oleObj spid="_x0000_s51571" name="Формула" r:id="rId5" imgW="1485720" imgH="609480" progId="Equation.3">
                   <p:embed/>
                 </p:oleObj>
               </mc:Choice>
@@ -25489,7 +25490,7 @@
           <a:graphicData uri="http://schemas.openxmlformats.org/presentationml/2006/ole">
             <mc:AlternateContent xmlns:mc="http://schemas.openxmlformats.org/markup-compatibility/2006">
               <mc:Choice xmlns:v="urn:schemas-microsoft-com:vml" Requires="v">
-                <p:oleObj spid="_x0000_s51562" name="Документ" r:id="rId7" imgW="5046662" imgH="2540557" progId="Word.Document.12">
+                <p:oleObj spid="_x0000_s51572" name="Документ" r:id="rId7" imgW="5046662" imgH="2540557" progId="Word.Document.12">
                   <p:embed/>
                 </p:oleObj>
               </mc:Choice>
@@ -25613,7 +25614,7 @@
           <a:graphicData uri="http://schemas.openxmlformats.org/presentationml/2006/ole">
             <mc:AlternateContent xmlns:mc="http://schemas.openxmlformats.org/markup-compatibility/2006">
               <mc:Choice xmlns:v="urn:schemas-microsoft-com:vml" Requires="v">
-                <p:oleObj spid="_x0000_s51563" name="Формула" r:id="rId9" imgW="1307880" imgH="482400" progId="Equation.3">
+                <p:oleObj spid="_x0000_s51573" name="Формула" r:id="rId9" imgW="1307880" imgH="482400" progId="Equation.3">
                   <p:embed/>
                 </p:oleObj>
               </mc:Choice>
@@ -25787,7 +25788,7 @@
           <a:graphicData uri="http://schemas.openxmlformats.org/presentationml/2006/ole">
             <mc:AlternateContent xmlns:mc="http://schemas.openxmlformats.org/markup-compatibility/2006">
               <mc:Choice xmlns:v="urn:schemas-microsoft-com:vml" Requires="v">
-                <p:oleObj spid="_x0000_s51564" name="Формула" r:id="rId11" imgW="1726920" imgH="266400" progId="Equation.3">
+                <p:oleObj spid="_x0000_s51574" name="Формула" r:id="rId11" imgW="1726920" imgH="266400" progId="Equation.3">
                   <p:embed/>
                 </p:oleObj>
               </mc:Choice>
@@ -25857,7 +25858,7 @@
           <a:graphicData uri="http://schemas.openxmlformats.org/presentationml/2006/ole">
             <mc:AlternateContent xmlns:mc="http://schemas.openxmlformats.org/markup-compatibility/2006">
               <mc:Choice xmlns:v="urn:schemas-microsoft-com:vml" Requires="v">
-                <p:oleObj spid="_x0000_s51565" name="Формула" r:id="rId13" imgW="2044440" imgH="520560" progId="Equation.3">
+                <p:oleObj spid="_x0000_s51575" name="Формула" r:id="rId13" imgW="2044440" imgH="520560" progId="Equation.3">
                   <p:embed/>
                 </p:oleObj>
               </mc:Choice>
@@ -25927,7 +25928,7 @@
           <a:graphicData uri="http://schemas.openxmlformats.org/presentationml/2006/ole">
             <mc:AlternateContent xmlns:mc="http://schemas.openxmlformats.org/markup-compatibility/2006">
               <mc:Choice xmlns:v="urn:schemas-microsoft-com:vml" Requires="v">
-                <p:oleObj spid="_x0000_s51566" name="Формула" r:id="rId15" imgW="1041120" imgH="444240" progId="Equation.3">
+                <p:oleObj spid="_x0000_s51576" name="Формула" r:id="rId15" imgW="1041120" imgH="444240" progId="Equation.3">
                   <p:embed/>
                 </p:oleObj>
               </mc:Choice>
@@ -25997,7 +25998,7 @@
           <a:graphicData uri="http://schemas.openxmlformats.org/presentationml/2006/ole">
             <mc:AlternateContent xmlns:mc="http://schemas.openxmlformats.org/markup-compatibility/2006">
               <mc:Choice xmlns:v="urn:schemas-microsoft-com:vml" Requires="v">
-                <p:oleObj spid="_x0000_s51567" name="Формула" r:id="rId17" imgW="2501640" imgH="533160" progId="Equation.3">
+                <p:oleObj spid="_x0000_s51577" name="Формула" r:id="rId17" imgW="2501640" imgH="533160" progId="Equation.3">
                   <p:embed/>
                 </p:oleObj>
               </mc:Choice>
@@ -26918,7 +26919,7 @@
           <a:graphicData uri="http://schemas.openxmlformats.org/presentationml/2006/ole">
             <mc:AlternateContent xmlns:mc="http://schemas.openxmlformats.org/markup-compatibility/2006">
               <mc:Choice xmlns:v="urn:schemas-microsoft-com:vml" Requires="v">
-                <p:oleObj spid="_x0000_s51568" name="Формула" r:id="rId19" imgW="698400" imgH="241200" progId="Equation.3">
+                <p:oleObj spid="_x0000_s51578" name="Формула" r:id="rId19" imgW="698400" imgH="241200" progId="Equation.3">
                   <p:embed/>
                 </p:oleObj>
               </mc:Choice>
@@ -26988,7 +26989,7 @@
           <a:graphicData uri="http://schemas.openxmlformats.org/presentationml/2006/ole">
             <mc:AlternateContent xmlns:mc="http://schemas.openxmlformats.org/markup-compatibility/2006">
               <mc:Choice xmlns:v="urn:schemas-microsoft-com:vml" Requires="v">
-                <p:oleObj spid="_x0000_s51569" name="Формула" r:id="rId21" imgW="825480" imgH="330120" progId="Equation.3">
+                <p:oleObj spid="_x0000_s51579" name="Формула" r:id="rId21" imgW="825480" imgH="330120" progId="Equation.3">
                   <p:embed/>
                 </p:oleObj>
               </mc:Choice>
@@ -28084,7 +28085,7 @@
           <a:graphicData uri="http://schemas.openxmlformats.org/presentationml/2006/ole">
             <mc:AlternateContent xmlns:mc="http://schemas.openxmlformats.org/markup-compatibility/2006">
               <mc:Choice xmlns:v="urn:schemas-microsoft-com:vml" Requires="v">
-                <p:oleObj spid="_x0000_s45789" name="Формула" r:id="rId3" imgW="1409400" imgH="215640" progId="Equation.3">
+                <p:oleObj spid="_x0000_s45791" name="Формула" r:id="rId3" imgW="1409400" imgH="215640" progId="Equation.3">
                   <p:embed/>
                 </p:oleObj>
               </mc:Choice>
@@ -28141,7 +28142,7 @@
           <a:graphicData uri="http://schemas.openxmlformats.org/presentationml/2006/ole">
             <mc:AlternateContent xmlns:mc="http://schemas.openxmlformats.org/markup-compatibility/2006">
               <mc:Choice xmlns:v="urn:schemas-microsoft-com:vml" Requires="v">
-                <p:oleObj spid="_x0000_s45790" name="Уравнение" r:id="rId5" imgW="1079280" imgH="241200" progId="Equation.3">
+                <p:oleObj spid="_x0000_s45792" name="Уравнение" r:id="rId5" imgW="1079280" imgH="241200" progId="Equation.3">
                   <p:embed/>
                 </p:oleObj>
               </mc:Choice>
@@ -30294,7 +30295,7 @@
           <a:graphicData uri="http://schemas.openxmlformats.org/presentationml/2006/ole">
             <mc:AlternateContent xmlns:mc="http://schemas.openxmlformats.org/markup-compatibility/2006">
               <mc:Choice xmlns:v="urn:schemas-microsoft-com:vml" Requires="v">
-                <p:oleObj spid="_x0000_s53338" name="Формула" r:id="rId3" imgW="2095200" imgH="228600" progId="Equation.3">
+                <p:oleObj spid="_x0000_s53356" name="Формула" r:id="rId3" imgW="2095200" imgH="228600" progId="Equation.3">
                   <p:embed/>
                 </p:oleObj>
               </mc:Choice>
@@ -30364,7 +30365,7 @@
           <a:graphicData uri="http://schemas.openxmlformats.org/presentationml/2006/ole">
             <mc:AlternateContent xmlns:mc="http://schemas.openxmlformats.org/markup-compatibility/2006">
               <mc:Choice xmlns:v="urn:schemas-microsoft-com:vml" Requires="v">
-                <p:oleObj spid="_x0000_s53339" name="Формула" r:id="rId5" imgW="736560" imgH="228600" progId="Equation.3">
+                <p:oleObj spid="_x0000_s53357" name="Формула" r:id="rId5" imgW="736560" imgH="228600" progId="Equation.3">
                   <p:embed/>
                 </p:oleObj>
               </mc:Choice>
@@ -30871,7 +30872,7 @@
           <a:graphicData uri="http://schemas.openxmlformats.org/presentationml/2006/ole">
             <mc:AlternateContent xmlns:mc="http://schemas.openxmlformats.org/markup-compatibility/2006">
               <mc:Choice xmlns:v="urn:schemas-microsoft-com:vml" Requires="v">
-                <p:oleObj spid="_x0000_s53340" name="Формула" r:id="rId7" imgW="1143000" imgH="228600" progId="Equation.3">
+                <p:oleObj spid="_x0000_s53358" name="Формула" r:id="rId7" imgW="1143000" imgH="228600" progId="Equation.3">
                   <p:embed/>
                 </p:oleObj>
               </mc:Choice>
@@ -30941,7 +30942,7 @@
           <a:graphicData uri="http://schemas.openxmlformats.org/presentationml/2006/ole">
             <mc:AlternateContent xmlns:mc="http://schemas.openxmlformats.org/markup-compatibility/2006">
               <mc:Choice xmlns:v="urn:schemas-microsoft-com:vml" Requires="v">
-                <p:oleObj spid="_x0000_s53341" name="Формула" r:id="rId9" imgW="812520" imgH="228600" progId="Equation.3">
+                <p:oleObj spid="_x0000_s53359" name="Формула" r:id="rId9" imgW="812520" imgH="228600" progId="Equation.3">
                   <p:embed/>
                 </p:oleObj>
               </mc:Choice>
@@ -31011,7 +31012,7 @@
           <a:graphicData uri="http://schemas.openxmlformats.org/presentationml/2006/ole">
             <mc:AlternateContent xmlns:mc="http://schemas.openxmlformats.org/markup-compatibility/2006">
               <mc:Choice xmlns:v="urn:schemas-microsoft-com:vml" Requires="v">
-                <p:oleObj spid="_x0000_s53342" name="Формула" r:id="rId11" imgW="253800" imgH="228600" progId="Equation.3">
+                <p:oleObj spid="_x0000_s53360" name="Формула" r:id="rId11" imgW="253800" imgH="228600" progId="Equation.3">
                   <p:embed/>
                 </p:oleObj>
               </mc:Choice>
@@ -31134,7 +31135,7 @@
           <a:graphicData uri="http://schemas.openxmlformats.org/presentationml/2006/ole">
             <mc:AlternateContent xmlns:mc="http://schemas.openxmlformats.org/markup-compatibility/2006">
               <mc:Choice xmlns:v="urn:schemas-microsoft-com:vml" Requires="v">
-                <p:oleObj spid="_x0000_s53343" name="Формула" r:id="rId13" imgW="241200" imgH="228600" progId="Equation.3">
+                <p:oleObj spid="_x0000_s53361" name="Формула" r:id="rId13" imgW="241200" imgH="228600" progId="Equation.3">
                   <p:embed/>
                 </p:oleObj>
               </mc:Choice>
@@ -31204,7 +31205,7 @@
           <a:graphicData uri="http://schemas.openxmlformats.org/presentationml/2006/ole">
             <mc:AlternateContent xmlns:mc="http://schemas.openxmlformats.org/markup-compatibility/2006">
               <mc:Choice xmlns:v="urn:schemas-microsoft-com:vml" Requires="v">
-                <p:oleObj spid="_x0000_s53344" name="Формула" r:id="rId15" imgW="1447560" imgH="482400" progId="Equation.3">
+                <p:oleObj spid="_x0000_s53362" name="Формула" r:id="rId15" imgW="1447560" imgH="482400" progId="Equation.3">
                   <p:embed/>
                 </p:oleObj>
               </mc:Choice>
@@ -31430,7 +31431,7 @@
           <a:graphicData uri="http://schemas.openxmlformats.org/presentationml/2006/ole">
             <mc:AlternateContent xmlns:mc="http://schemas.openxmlformats.org/markup-compatibility/2006">
               <mc:Choice xmlns:v="urn:schemas-microsoft-com:vml" Requires="v">
-                <p:oleObj spid="_x0000_s53345" name="Уравнение" r:id="rId17" imgW="1422360" imgH="241200" progId="Equation.3">
+                <p:oleObj spid="_x0000_s53363" name="Уравнение" r:id="rId17" imgW="1422360" imgH="241200" progId="Equation.3">
                   <p:embed/>
                 </p:oleObj>
               </mc:Choice>
@@ -31500,7 +31501,7 @@
           <a:graphicData uri="http://schemas.openxmlformats.org/presentationml/2006/ole">
             <mc:AlternateContent xmlns:mc="http://schemas.openxmlformats.org/markup-compatibility/2006">
               <mc:Choice xmlns:v="urn:schemas-microsoft-com:vml" Requires="v">
-                <p:oleObj spid="_x0000_s53346" name="Формула" r:id="rId19" imgW="1168200" imgH="266400" progId="Equation.3">
+                <p:oleObj spid="_x0000_s53364" name="Формула" r:id="rId19" imgW="1168200" imgH="266400" progId="Equation.3">
                   <p:embed/>
                 </p:oleObj>
               </mc:Choice>
@@ -31570,7 +31571,7 @@
           <a:graphicData uri="http://schemas.openxmlformats.org/presentationml/2006/ole">
             <mc:AlternateContent xmlns:mc="http://schemas.openxmlformats.org/markup-compatibility/2006">
               <mc:Choice xmlns:v="urn:schemas-microsoft-com:vml" Requires="v">
-                <p:oleObj spid="_x0000_s53347" name="Уравнение" r:id="rId21" imgW="330120" imgH="241200" progId="Equation.3">
+                <p:oleObj spid="_x0000_s53365" name="Уравнение" r:id="rId21" imgW="330120" imgH="241200" progId="Equation.3">
                   <p:embed/>
                 </p:oleObj>
               </mc:Choice>
@@ -31640,7 +31641,7 @@
           <a:graphicData uri="http://schemas.openxmlformats.org/presentationml/2006/ole">
             <mc:AlternateContent xmlns:mc="http://schemas.openxmlformats.org/markup-compatibility/2006">
               <mc:Choice xmlns:v="urn:schemas-microsoft-com:vml" Requires="v">
-                <p:oleObj spid="_x0000_s53348" name="Формула" r:id="rId23" imgW="850680" imgH="241200" progId="Equation.3">
+                <p:oleObj spid="_x0000_s53366" name="Формула" r:id="rId23" imgW="850680" imgH="241200" progId="Equation.3">
                   <p:embed/>
                 </p:oleObj>
               </mc:Choice>
@@ -31858,7 +31859,7 @@
           <a:graphicData uri="http://schemas.openxmlformats.org/presentationml/2006/ole">
             <mc:AlternateContent xmlns:mc="http://schemas.openxmlformats.org/markup-compatibility/2006">
               <mc:Choice xmlns:v="urn:schemas-microsoft-com:vml" Requires="v">
-                <p:oleObj spid="_x0000_s53349" name="Формула" r:id="rId25" imgW="3454200" imgH="253800" progId="Equation.3">
+                <p:oleObj spid="_x0000_s53367" name="Формула" r:id="rId25" imgW="3454200" imgH="253800" progId="Equation.3">
                   <p:embed/>
                 </p:oleObj>
               </mc:Choice>
@@ -32108,7 +32109,7 @@
           <a:graphicData uri="http://schemas.openxmlformats.org/presentationml/2006/ole">
             <mc:AlternateContent xmlns:mc="http://schemas.openxmlformats.org/markup-compatibility/2006">
               <mc:Choice xmlns:v="urn:schemas-microsoft-com:vml" Requires="v">
-                <p:oleObj spid="_x0000_s53350" name="Уравнение" r:id="rId27" imgW="1307880" imgH="431640" progId="Equation.3">
+                <p:oleObj spid="_x0000_s53368" name="Уравнение" r:id="rId27" imgW="1307880" imgH="431640" progId="Equation.3">
                   <p:embed/>
                 </p:oleObj>
               </mc:Choice>
@@ -32226,7 +32227,7 @@
           <a:graphicData uri="http://schemas.openxmlformats.org/presentationml/2006/ole">
             <mc:AlternateContent xmlns:mc="http://schemas.openxmlformats.org/markup-compatibility/2006">
               <mc:Choice xmlns:v="urn:schemas-microsoft-com:vml" Requires="v">
-                <p:oleObj spid="_x0000_s53351" name="Формула" r:id="rId29" imgW="1955520" imgH="393480" progId="Equation.3">
+                <p:oleObj spid="_x0000_s53369" name="Формула" r:id="rId29" imgW="1955520" imgH="393480" progId="Equation.3">
                   <p:embed/>
                 </p:oleObj>
               </mc:Choice>
@@ -32296,7 +32297,7 @@
           <a:graphicData uri="http://schemas.openxmlformats.org/presentationml/2006/ole">
             <mc:AlternateContent xmlns:mc="http://schemas.openxmlformats.org/markup-compatibility/2006">
               <mc:Choice xmlns:v="urn:schemas-microsoft-com:vml" Requires="v">
-                <p:oleObj spid="_x0000_s53352" name="Формула" r:id="rId31" imgW="2844720" imgH="393480" progId="Equation.3">
+                <p:oleObj spid="_x0000_s53370" name="Формула" r:id="rId31" imgW="2844720" imgH="393480" progId="Equation.3">
                   <p:embed/>
                 </p:oleObj>
               </mc:Choice>
@@ -32366,7 +32367,7 @@
           <a:graphicData uri="http://schemas.openxmlformats.org/presentationml/2006/ole">
             <mc:AlternateContent xmlns:mc="http://schemas.openxmlformats.org/markup-compatibility/2006">
               <mc:Choice xmlns:v="urn:schemas-microsoft-com:vml" Requires="v">
-                <p:oleObj spid="_x0000_s53353" name="Уравнение" r:id="rId33" imgW="1460160" imgH="393480" progId="Equation.3">
+                <p:oleObj spid="_x0000_s53371" name="Уравнение" r:id="rId33" imgW="1460160" imgH="393480" progId="Equation.3">
                   <p:embed/>
                 </p:oleObj>
               </mc:Choice>
@@ -32436,7 +32437,7 @@
           <a:graphicData uri="http://schemas.openxmlformats.org/presentationml/2006/ole">
             <mc:AlternateContent xmlns:mc="http://schemas.openxmlformats.org/markup-compatibility/2006">
               <mc:Choice xmlns:v="urn:schemas-microsoft-com:vml" Requires="v">
-                <p:oleObj spid="_x0000_s53354" name="Формула" r:id="rId35" imgW="1346040" imgH="393480" progId="Equation.3">
+                <p:oleObj spid="_x0000_s53372" name="Формула" r:id="rId35" imgW="1346040" imgH="393480" progId="Equation.3">
                   <p:embed/>
                 </p:oleObj>
               </mc:Choice>
@@ -32506,7 +32507,7 @@
           <a:graphicData uri="http://schemas.openxmlformats.org/presentationml/2006/ole">
             <mc:AlternateContent xmlns:mc="http://schemas.openxmlformats.org/markup-compatibility/2006">
               <mc:Choice xmlns:v="urn:schemas-microsoft-com:vml" Requires="v">
-                <p:oleObj spid="_x0000_s53355" name="Формула" r:id="rId37" imgW="647640" imgH="228600" progId="Equation.3">
+                <p:oleObj spid="_x0000_s53373" name="Формула" r:id="rId37" imgW="647640" imgH="228600" progId="Equation.3">
                   <p:embed/>
                 </p:oleObj>
               </mc:Choice>
@@ -33468,7 +33469,7 @@
           <a:graphicData uri="http://schemas.openxmlformats.org/presentationml/2006/ole">
             <mc:AlternateContent xmlns:mc="http://schemas.openxmlformats.org/markup-compatibility/2006">
               <mc:Choice xmlns:v="urn:schemas-microsoft-com:vml" Requires="v">
-                <p:oleObj spid="_x0000_s49824" name="Формула" r:id="rId3" imgW="1422360" imgH="393480" progId="Equation.3">
+                <p:oleObj spid="_x0000_s49839" name="Формула" r:id="rId3" imgW="1422360" imgH="393480" progId="Equation.3">
                   <p:embed/>
                 </p:oleObj>
               </mc:Choice>
@@ -33538,7 +33539,7 @@
           <a:graphicData uri="http://schemas.openxmlformats.org/presentationml/2006/ole">
             <mc:AlternateContent xmlns:mc="http://schemas.openxmlformats.org/markup-compatibility/2006">
               <mc:Choice xmlns:v="urn:schemas-microsoft-com:vml" Requires="v">
-                <p:oleObj spid="_x0000_s49825" name="Формула" r:id="rId5" imgW="1015920" imgH="393480" progId="Equation.3">
+                <p:oleObj spid="_x0000_s49840" name="Формула" r:id="rId5" imgW="1015920" imgH="393480" progId="Equation.3">
                   <p:embed/>
                 </p:oleObj>
               </mc:Choice>
@@ -33608,7 +33609,7 @@
           <a:graphicData uri="http://schemas.openxmlformats.org/presentationml/2006/ole">
             <mc:AlternateContent xmlns:mc="http://schemas.openxmlformats.org/markup-compatibility/2006">
               <mc:Choice xmlns:v="urn:schemas-microsoft-com:vml" Requires="v">
-                <p:oleObj spid="_x0000_s49826" name="Формула" r:id="rId7" imgW="1384200" imgH="393480" progId="Equation.3">
+                <p:oleObj spid="_x0000_s49841" name="Формула" r:id="rId7" imgW="1384200" imgH="393480" progId="Equation.3">
                   <p:embed/>
                 </p:oleObj>
               </mc:Choice>
@@ -33741,7 +33742,7 @@
           <a:graphicData uri="http://schemas.openxmlformats.org/presentationml/2006/ole">
             <mc:AlternateContent xmlns:mc="http://schemas.openxmlformats.org/markup-compatibility/2006">
               <mc:Choice xmlns:v="urn:schemas-microsoft-com:vml" Requires="v">
-                <p:oleObj spid="_x0000_s49827" name="Формула" r:id="rId9" imgW="1866600" imgH="469800" progId="Equation.3">
+                <p:oleObj spid="_x0000_s49842" name="Формула" r:id="rId9" imgW="1866600" imgH="469800" progId="Equation.3">
                   <p:embed/>
                 </p:oleObj>
               </mc:Choice>
@@ -33866,7 +33867,7 @@
           <a:graphicData uri="http://schemas.openxmlformats.org/presentationml/2006/ole">
             <mc:AlternateContent xmlns:mc="http://schemas.openxmlformats.org/markup-compatibility/2006">
               <mc:Choice xmlns:v="urn:schemas-microsoft-com:vml" Requires="v">
-                <p:oleObj spid="_x0000_s49828" name="Формула" r:id="rId11" imgW="1574640" imgH="457200" progId="Equation.3">
+                <p:oleObj spid="_x0000_s49843" name="Формула" r:id="rId11" imgW="1574640" imgH="457200" progId="Equation.3">
                   <p:embed/>
                 </p:oleObj>
               </mc:Choice>
@@ -33999,7 +34000,7 @@
           <a:graphicData uri="http://schemas.openxmlformats.org/presentationml/2006/ole">
             <mc:AlternateContent xmlns:mc="http://schemas.openxmlformats.org/markup-compatibility/2006">
               <mc:Choice xmlns:v="urn:schemas-microsoft-com:vml" Requires="v">
-                <p:oleObj spid="_x0000_s49829" name="Формула" r:id="rId13" imgW="1282680" imgH="495000" progId="Equation.3">
+                <p:oleObj spid="_x0000_s49844" name="Формула" r:id="rId13" imgW="1282680" imgH="495000" progId="Equation.3">
                   <p:embed/>
                 </p:oleObj>
               </mc:Choice>
@@ -34069,7 +34070,7 @@
           <a:graphicData uri="http://schemas.openxmlformats.org/presentationml/2006/ole">
             <mc:AlternateContent xmlns:mc="http://schemas.openxmlformats.org/markup-compatibility/2006">
               <mc:Choice xmlns:v="urn:schemas-microsoft-com:vml" Requires="v">
-                <p:oleObj spid="_x0000_s49830" name="Формула" r:id="rId15" imgW="1485720" imgH="457200" progId="Equation.3">
+                <p:oleObj spid="_x0000_s49845" name="Формула" r:id="rId15" imgW="1485720" imgH="457200" progId="Equation.3">
                   <p:embed/>
                 </p:oleObj>
               </mc:Choice>
@@ -35019,7 +35020,7 @@
           <a:graphicData uri="http://schemas.openxmlformats.org/presentationml/2006/ole">
             <mc:AlternateContent xmlns:mc="http://schemas.openxmlformats.org/markup-compatibility/2006">
               <mc:Choice xmlns:v="urn:schemas-microsoft-com:vml" Requires="v">
-                <p:oleObj spid="_x0000_s49831" name="Формула" r:id="rId17" imgW="863280" imgH="266400" progId="Equation.3">
+                <p:oleObj spid="_x0000_s49846" name="Формула" r:id="rId17" imgW="863280" imgH="266400" progId="Equation.3">
                   <p:embed/>
                 </p:oleObj>
               </mc:Choice>
@@ -35349,7 +35350,7 @@
           <a:graphicData uri="http://schemas.openxmlformats.org/presentationml/2006/ole">
             <mc:AlternateContent xmlns:mc="http://schemas.openxmlformats.org/markup-compatibility/2006">
               <mc:Choice xmlns:v="urn:schemas-microsoft-com:vml" Requires="v">
-                <p:oleObj spid="_x0000_s49832" name="Уравнение" r:id="rId19" imgW="1879560" imgH="228600" progId="Equation.3">
+                <p:oleObj spid="_x0000_s49847" name="Уравнение" r:id="rId19" imgW="1879560" imgH="228600" progId="Equation.3">
                   <p:embed/>
                 </p:oleObj>
               </mc:Choice>
@@ -35419,7 +35420,7 @@
           <a:graphicData uri="http://schemas.openxmlformats.org/presentationml/2006/ole">
             <mc:AlternateContent xmlns:mc="http://schemas.openxmlformats.org/markup-compatibility/2006">
               <mc:Choice xmlns:v="urn:schemas-microsoft-com:vml" Requires="v">
-                <p:oleObj spid="_x0000_s49833" name="Формула" r:id="rId21" imgW="2019240" imgH="228600" progId="Equation.3">
+                <p:oleObj spid="_x0000_s49848" name="Формула" r:id="rId21" imgW="2019240" imgH="228600" progId="Equation.3">
                   <p:embed/>
                 </p:oleObj>
               </mc:Choice>
@@ -35489,7 +35490,7 @@
           <a:graphicData uri="http://schemas.openxmlformats.org/presentationml/2006/ole">
             <mc:AlternateContent xmlns:mc="http://schemas.openxmlformats.org/markup-compatibility/2006">
               <mc:Choice xmlns:v="urn:schemas-microsoft-com:vml" Requires="v">
-                <p:oleObj spid="_x0000_s49834" name="Формула" r:id="rId23" imgW="812520" imgH="393480" progId="Equation.3">
+                <p:oleObj spid="_x0000_s49849" name="Формула" r:id="rId23" imgW="812520" imgH="393480" progId="Equation.3">
                   <p:embed/>
                 </p:oleObj>
               </mc:Choice>
@@ -35708,7 +35709,7 @@
           <a:graphicData uri="http://schemas.openxmlformats.org/presentationml/2006/ole">
             <mc:AlternateContent xmlns:mc="http://schemas.openxmlformats.org/markup-compatibility/2006">
               <mc:Choice xmlns:v="urn:schemas-microsoft-com:vml" Requires="v">
-                <p:oleObj spid="_x0000_s49835" name="Уравнение" r:id="rId25" imgW="685800" imgH="431640" progId="Equation.3">
+                <p:oleObj spid="_x0000_s49850" name="Уравнение" r:id="rId25" imgW="685800" imgH="431640" progId="Equation.3">
                   <p:embed/>
                 </p:oleObj>
               </mc:Choice>
@@ -35913,7 +35914,7 @@
           <a:graphicData uri="http://schemas.openxmlformats.org/presentationml/2006/ole">
             <mc:AlternateContent xmlns:mc="http://schemas.openxmlformats.org/markup-compatibility/2006">
               <mc:Choice xmlns:v="urn:schemas-microsoft-com:vml" Requires="v">
-                <p:oleObj spid="_x0000_s49836" name="Уравнение" r:id="rId27" imgW="164880" imgH="228600" progId="Equation.3">
+                <p:oleObj spid="_x0000_s49851" name="Уравнение" r:id="rId27" imgW="164880" imgH="228600" progId="Equation.3">
                   <p:embed/>
                 </p:oleObj>
               </mc:Choice>
@@ -36097,7 +36098,7 @@
           <a:graphicData uri="http://schemas.openxmlformats.org/presentationml/2006/ole">
             <mc:AlternateContent xmlns:mc="http://schemas.openxmlformats.org/markup-compatibility/2006">
               <mc:Choice xmlns:v="urn:schemas-microsoft-com:vml" Requires="v">
-                <p:oleObj spid="_x0000_s49837" name="Формула" r:id="rId29" imgW="393480" imgH="228600" progId="Equation.3">
+                <p:oleObj spid="_x0000_s49852" name="Формула" r:id="rId29" imgW="393480" imgH="228600" progId="Equation.3">
                   <p:embed/>
                 </p:oleObj>
               </mc:Choice>
@@ -36281,7 +36282,7 @@
           <a:graphicData uri="http://schemas.openxmlformats.org/presentationml/2006/ole">
             <mc:AlternateContent xmlns:mc="http://schemas.openxmlformats.org/markup-compatibility/2006">
               <mc:Choice xmlns:v="urn:schemas-microsoft-com:vml" Requires="v">
-                <p:oleObj spid="_x0000_s49838" name="Picture" r:id="rId31" imgW="3970895" imgH="2272490" progId="Word.Picture.8">
+                <p:oleObj spid="_x0000_s49853" name="Picture" r:id="rId31" imgW="3970895" imgH="2272490" progId="Word.Picture.8">
                   <p:embed/>
                 </p:oleObj>
               </mc:Choice>
@@ -37792,7 +37793,7 @@
           <a:graphicData uri="http://schemas.openxmlformats.org/presentationml/2006/ole">
             <mc:AlternateContent xmlns:mc="http://schemas.openxmlformats.org/markup-compatibility/2006">
               <mc:Choice xmlns:v="urn:schemas-microsoft-com:vml" Requires="v">
-                <p:oleObj spid="_x0000_s47040" name="Формула" r:id="rId4" imgW="1688760" imgH="228600" progId="Equation.3">
+                <p:oleObj spid="_x0000_s47055" name="Формула" r:id="rId4" imgW="1688760" imgH="228600" progId="Equation.3">
                   <p:embed/>
                 </p:oleObj>
               </mc:Choice>
@@ -38713,7 +38714,7 @@
           <a:graphicData uri="http://schemas.openxmlformats.org/presentationml/2006/ole">
             <mc:AlternateContent xmlns:mc="http://schemas.openxmlformats.org/markup-compatibility/2006">
               <mc:Choice xmlns:v="urn:schemas-microsoft-com:vml" Requires="v">
-                <p:oleObj spid="_x0000_s47041" name="Уравнение" r:id="rId6" imgW="406080" imgH="190440" progId="Equation.3">
+                <p:oleObj spid="_x0000_s47056" name="Уравнение" r:id="rId6" imgW="406080" imgH="190440" progId="Equation.3">
                   <p:embed/>
                 </p:oleObj>
               </mc:Choice>
@@ -38783,7 +38784,7 @@
           <a:graphicData uri="http://schemas.openxmlformats.org/presentationml/2006/ole">
             <mc:AlternateContent xmlns:mc="http://schemas.openxmlformats.org/markup-compatibility/2006">
               <mc:Choice xmlns:v="urn:schemas-microsoft-com:vml" Requires="v">
-                <p:oleObj spid="_x0000_s47042" name="Уравнение" r:id="rId8" imgW="419040" imgH="215640" progId="Equation.3">
+                <p:oleObj spid="_x0000_s47057" name="Уравнение" r:id="rId8" imgW="419040" imgH="215640" progId="Equation.3">
                   <p:embed/>
                 </p:oleObj>
               </mc:Choice>
@@ -38853,7 +38854,7 @@
           <a:graphicData uri="http://schemas.openxmlformats.org/presentationml/2006/ole">
             <mc:AlternateContent xmlns:mc="http://schemas.openxmlformats.org/markup-compatibility/2006">
               <mc:Choice xmlns:v="urn:schemas-microsoft-com:vml" Requires="v">
-                <p:oleObj spid="_x0000_s47043" name="Формула" r:id="rId10" imgW="419040" imgH="215640" progId="Equation.3">
+                <p:oleObj spid="_x0000_s47058" name="Формула" r:id="rId10" imgW="419040" imgH="215640" progId="Equation.3">
                   <p:embed/>
                 </p:oleObj>
               </mc:Choice>
@@ -38923,7 +38924,7 @@
           <a:graphicData uri="http://schemas.openxmlformats.org/presentationml/2006/ole">
             <mc:AlternateContent xmlns:mc="http://schemas.openxmlformats.org/markup-compatibility/2006">
               <mc:Choice xmlns:v="urn:schemas-microsoft-com:vml" Requires="v">
-                <p:oleObj spid="_x0000_s47044" name="Формула" r:id="rId12" imgW="304560" imgH="215640" progId="Equation.3">
+                <p:oleObj spid="_x0000_s47059" name="Формула" r:id="rId12" imgW="304560" imgH="215640" progId="Equation.3">
                   <p:embed/>
                 </p:oleObj>
               </mc:Choice>
@@ -39084,7 +39085,7 @@
           <a:graphicData uri="http://schemas.openxmlformats.org/presentationml/2006/ole">
             <mc:AlternateContent xmlns:mc="http://schemas.openxmlformats.org/markup-compatibility/2006">
               <mc:Choice xmlns:v="urn:schemas-microsoft-com:vml" Requires="v">
-                <p:oleObj spid="_x0000_s47045" name="Формула" r:id="rId14" imgW="799920" imgH="228600" progId="Equation.3">
+                <p:oleObj spid="_x0000_s47060" name="Формула" r:id="rId14" imgW="799920" imgH="228600" progId="Equation.3">
                   <p:embed/>
                 </p:oleObj>
               </mc:Choice>
@@ -39141,7 +39142,7 @@
           <a:graphicData uri="http://schemas.openxmlformats.org/presentationml/2006/ole">
             <mc:AlternateContent xmlns:mc="http://schemas.openxmlformats.org/markup-compatibility/2006">
               <mc:Choice xmlns:v="urn:schemas-microsoft-com:vml" Requires="v">
-                <p:oleObj spid="_x0000_s47046" name="Equation" r:id="rId16" imgW="838080" imgH="215640" progId="Equation.3">
+                <p:oleObj spid="_x0000_s47061" name="Equation" r:id="rId16" imgW="838080" imgH="215640" progId="Equation.3">
                   <p:embed/>
                 </p:oleObj>
               </mc:Choice>
@@ -39226,7 +39227,7 @@
               <a:graphicData uri="http://schemas.openxmlformats.org/presentationml/2006/ole">
                 <mc:AlternateContent xmlns:mc="http://schemas.openxmlformats.org/markup-compatibility/2006">
                   <mc:Choice xmlns:v="urn:schemas-microsoft-com:vml" Requires="v">
-                    <p:oleObj spid="_x0000_s47047" name="Уравнение" r:id="rId18" imgW="228600" imgH="228600" progId="Equation.3">
+                    <p:oleObj spid="_x0000_s47062" name="Уравнение" r:id="rId18" imgW="228600" imgH="228600" progId="Equation.3">
                       <p:embed/>
                     </p:oleObj>
                   </mc:Choice>
@@ -39296,7 +39297,7 @@
               <a:graphicData uri="http://schemas.openxmlformats.org/presentationml/2006/ole">
                 <mc:AlternateContent xmlns:mc="http://schemas.openxmlformats.org/markup-compatibility/2006">
                   <mc:Choice xmlns:v="urn:schemas-microsoft-com:vml" Requires="v">
-                    <p:oleObj spid="_x0000_s47048" name="Формула" r:id="rId20" imgW="164885" imgH="164885" progId="Equation.3">
+                    <p:oleObj spid="_x0000_s47063" name="Формула" r:id="rId20" imgW="164885" imgH="164885" progId="Equation.3">
                       <p:embed/>
                     </p:oleObj>
                   </mc:Choice>
@@ -39483,7 +39484,7 @@
                     <a:graphicData uri="http://schemas.openxmlformats.org/presentationml/2006/ole">
                       <mc:AlternateContent xmlns:mc="http://schemas.openxmlformats.org/markup-compatibility/2006">
                         <mc:Choice xmlns:v="urn:schemas-microsoft-com:vml" Requires="v">
-                          <p:oleObj spid="_x0000_s47049" name="Уравнение" r:id="rId22" imgW="164880" imgH="228600" progId="Equation.3">
+                          <p:oleObj spid="_x0000_s47064" name="Уравнение" r:id="rId22" imgW="164880" imgH="228600" progId="Equation.3">
                             <p:embed/>
                           </p:oleObj>
                         </mc:Choice>
@@ -39553,7 +39554,7 @@
                     <a:graphicData uri="http://schemas.openxmlformats.org/presentationml/2006/ole">
                       <mc:AlternateContent xmlns:mc="http://schemas.openxmlformats.org/markup-compatibility/2006">
                         <mc:Choice xmlns:v="urn:schemas-microsoft-com:vml" Requires="v">
-                          <p:oleObj spid="_x0000_s47050" name="Equation" r:id="rId24" imgW="228600" imgH="228600" progId="Equation.3">
+                          <p:oleObj spid="_x0000_s47065" name="Equation" r:id="rId24" imgW="228600" imgH="228600" progId="Equation.3">
                             <p:embed/>
                           </p:oleObj>
                         </mc:Choice>
@@ -39623,7 +39624,7 @@
                     <a:graphicData uri="http://schemas.openxmlformats.org/presentationml/2006/ole">
                       <mc:AlternateContent xmlns:mc="http://schemas.openxmlformats.org/markup-compatibility/2006">
                         <mc:Choice xmlns:v="urn:schemas-microsoft-com:vml" Requires="v">
-                          <p:oleObj spid="_x0000_s47051" name="Equation" r:id="rId26" imgW="215640" imgH="228600" progId="Equation.3">
+                          <p:oleObj spid="_x0000_s47066" name="Equation" r:id="rId26" imgW="215640" imgH="228600" progId="Equation.3">
                             <p:embed/>
                           </p:oleObj>
                         </mc:Choice>
@@ -40214,7 +40215,7 @@
                       <a:graphicData uri="http://schemas.openxmlformats.org/presentationml/2006/ole">
                         <mc:AlternateContent xmlns:mc="http://schemas.openxmlformats.org/markup-compatibility/2006">
                           <mc:Choice xmlns:v="urn:schemas-microsoft-com:vml" Requires="v">
-                            <p:oleObj spid="_x0000_s47052" name="Уравнение" r:id="rId28" imgW="203040" imgH="215640" progId="Equation.3">
+                            <p:oleObj spid="_x0000_s47067" name="Уравнение" r:id="rId28" imgW="203040" imgH="215640" progId="Equation.3">
                               <p:embed/>
                             </p:oleObj>
                           </mc:Choice>
@@ -40636,7 +40637,7 @@
           <a:graphicData uri="http://schemas.openxmlformats.org/presentationml/2006/ole">
             <mc:AlternateContent xmlns:mc="http://schemas.openxmlformats.org/markup-compatibility/2006">
               <mc:Choice xmlns:v="urn:schemas-microsoft-com:vml" Requires="v">
-                <p:oleObj spid="_x0000_s47053" name="Формула" r:id="rId30" imgW="1091880" imgH="228600" progId="Equation.3">
+                <p:oleObj spid="_x0000_s47068" name="Формула" r:id="rId30" imgW="1091880" imgH="228600" progId="Equation.3">
                   <p:embed/>
                 </p:oleObj>
               </mc:Choice>
@@ -40706,7 +40707,7 @@
           <a:graphicData uri="http://schemas.openxmlformats.org/presentationml/2006/ole">
             <mc:AlternateContent xmlns:mc="http://schemas.openxmlformats.org/markup-compatibility/2006">
               <mc:Choice xmlns:v="urn:schemas-microsoft-com:vml" Requires="v">
-                <p:oleObj spid="_x0000_s47054" name="Уравнение" r:id="rId32" imgW="1904760" imgH="228600" progId="Equation.3">
+                <p:oleObj spid="_x0000_s47069" name="Уравнение" r:id="rId32" imgW="1904760" imgH="228600" progId="Equation.3">
                   <p:embed/>
                 </p:oleObj>
               </mc:Choice>

--- a/Конференции/Icoc/ICOC 2023 Мансуров.pptx
+++ b/Конференции/Icoc/ICOC 2023 Мансуров.pptx
@@ -233,7 +233,7 @@
             <a:fld id="{8A2956D5-2046-4B16-B158-28749009537F}" type="datetimeFigureOut">
               <a:rPr lang="ru-RU" smtClean="0"/>
               <a:pPr/>
-              <a:t>12.06.2023</a:t>
+              <a:t>16.06.2023</a:t>
             </a:fld>
             <a:endParaRPr lang="ru-RU"/>
           </a:p>
@@ -634,7 +634,7 @@
             <a:fld id="{668F77C6-B837-4C28-B069-E60D1A7F8F4C}" type="datetime1">
               <a:rPr lang="ru-RU" smtClean="0"/>
               <a:pPr/>
-              <a:t>12.06.2023</a:t>
+              <a:t>16.06.2023</a:t>
             </a:fld>
             <a:endParaRPr lang="ru-RU"/>
           </a:p>
@@ -806,7 +806,7 @@
             <a:fld id="{E15233C2-C826-421D-8751-732F81C941BB}" type="datetime1">
               <a:rPr lang="ru-RU" smtClean="0"/>
               <a:pPr/>
-              <a:t>12.06.2023</a:t>
+              <a:t>16.06.2023</a:t>
             </a:fld>
             <a:endParaRPr lang="ru-RU"/>
           </a:p>
@@ -988,7 +988,7 @@
             <a:fld id="{F047989F-906F-40DE-BA90-D14E94A416BA}" type="datetime1">
               <a:rPr lang="ru-RU" smtClean="0"/>
               <a:pPr/>
-              <a:t>12.06.2023</a:t>
+              <a:t>16.06.2023</a:t>
             </a:fld>
             <a:endParaRPr lang="ru-RU"/>
           </a:p>
@@ -1160,7 +1160,7 @@
             <a:fld id="{D56CFF60-0E50-453A-81B9-424AB7DE66CD}" type="datetime1">
               <a:rPr lang="ru-RU" smtClean="0"/>
               <a:pPr/>
-              <a:t>12.06.2023</a:t>
+              <a:t>16.06.2023</a:t>
             </a:fld>
             <a:endParaRPr lang="ru-RU"/>
           </a:p>
@@ -1412,7 +1412,7 @@
             <a:fld id="{1EADCEAB-127F-4906-8280-7B6697A13E33}" type="datetime1">
               <a:rPr lang="ru-RU" smtClean="0"/>
               <a:pPr/>
-              <a:t>12.06.2023</a:t>
+              <a:t>16.06.2023</a:t>
             </a:fld>
             <a:endParaRPr lang="ru-RU"/>
           </a:p>
@@ -1646,7 +1646,7 @@
             <a:fld id="{772B70F3-DD83-40E6-8787-116CC1402285}" type="datetime1">
               <a:rPr lang="ru-RU" smtClean="0"/>
               <a:pPr/>
-              <a:t>12.06.2023</a:t>
+              <a:t>16.06.2023</a:t>
             </a:fld>
             <a:endParaRPr lang="ru-RU"/>
           </a:p>
@@ -2015,7 +2015,7 @@
             <a:fld id="{EFBC4BE1-28D4-4D8B-A423-5A2E1BA6934C}" type="datetime1">
               <a:rPr lang="ru-RU" smtClean="0"/>
               <a:pPr/>
-              <a:t>12.06.2023</a:t>
+              <a:t>16.06.2023</a:t>
             </a:fld>
             <a:endParaRPr lang="ru-RU"/>
           </a:p>
@@ -2135,7 +2135,7 @@
             <a:fld id="{6B7A375C-D316-441C-BBA4-36702FCEB310}" type="datetime1">
               <a:rPr lang="ru-RU" smtClean="0"/>
               <a:pPr/>
-              <a:t>12.06.2023</a:t>
+              <a:t>16.06.2023</a:t>
             </a:fld>
             <a:endParaRPr lang="ru-RU"/>
           </a:p>
@@ -2232,7 +2232,7 @@
             <a:fld id="{3EE6ABA4-7B05-4C08-9A73-CF8D6885218A}" type="datetime1">
               <a:rPr lang="ru-RU" smtClean="0"/>
               <a:pPr/>
-              <a:t>12.06.2023</a:t>
+              <a:t>16.06.2023</a:t>
             </a:fld>
             <a:endParaRPr lang="ru-RU"/>
           </a:p>
@@ -2511,7 +2511,7 @@
             <a:fld id="{F7A499FF-A70C-4AC7-8F4A-A5151C1A7370}" type="datetime1">
               <a:rPr lang="ru-RU" smtClean="0"/>
               <a:pPr/>
-              <a:t>12.06.2023</a:t>
+              <a:t>16.06.2023</a:t>
             </a:fld>
             <a:endParaRPr lang="ru-RU"/>
           </a:p>
@@ -2766,7 +2766,7 @@
             <a:fld id="{52FB4F09-8D8A-4907-99B4-463641EA0A07}" type="datetime1">
               <a:rPr lang="ru-RU" smtClean="0"/>
               <a:pPr/>
-              <a:t>12.06.2023</a:t>
+              <a:t>16.06.2023</a:t>
             </a:fld>
             <a:endParaRPr lang="ru-RU"/>
           </a:p>
@@ -2981,7 +2981,7 @@
             <a:fld id="{96489DF9-334F-4539-8237-D412EE1173F0}" type="datetime1">
               <a:rPr lang="ru-RU" smtClean="0"/>
               <a:pPr/>
-              <a:t>12.06.2023</a:t>
+              <a:t>16.06.2023</a:t>
             </a:fld>
             <a:endParaRPr lang="ru-RU"/>
           </a:p>
@@ -3412,60 +3412,60 @@
           <a:p>
             <a:r>
               <a:rPr lang="ru-RU" sz="1400" cap="all" dirty="0">
-                <a:latin typeface="Times New Roman" pitchFamily="18" charset="0"/>
+                <a:latin typeface="Bookman Old Style" panose="02050604050505020204" pitchFamily="18" charset="0"/>
                 <a:cs typeface="Times New Roman" pitchFamily="18" charset="0"/>
               </a:rPr>
               <a:t>Министерство науки и высшего образования российской федерации</a:t>
             </a:r>
             <a:r>
               <a:rPr lang="ru-RU" sz="1400" dirty="0">
-                <a:latin typeface="Times New Roman" pitchFamily="18" charset="0"/>
+                <a:latin typeface="Bookman Old Style" panose="02050604050505020204" pitchFamily="18" charset="0"/>
                 <a:cs typeface="Times New Roman" pitchFamily="18" charset="0"/>
               </a:rPr>
               <a:t/>
             </a:r>
             <a:br>
               <a:rPr lang="ru-RU" sz="1400" dirty="0">
-                <a:latin typeface="Times New Roman" pitchFamily="18" charset="0"/>
+                <a:latin typeface="Bookman Old Style" panose="02050604050505020204" pitchFamily="18" charset="0"/>
                 <a:cs typeface="Times New Roman" pitchFamily="18" charset="0"/>
               </a:rPr>
             </a:br>
             <a:r>
               <a:rPr lang="ru-RU" sz="1400" cap="all" dirty="0">
-                <a:latin typeface="Times New Roman" pitchFamily="18" charset="0"/>
+                <a:latin typeface="Bookman Old Style" panose="02050604050505020204" pitchFamily="18" charset="0"/>
                 <a:cs typeface="Times New Roman" pitchFamily="18" charset="0"/>
               </a:rPr>
               <a:t>ФГБОУ  ВО «ИЖГТУ  имени М.Т. Калашникова»</a:t>
             </a:r>
             <a:r>
               <a:rPr lang="ru-RU" sz="1600" dirty="0">
-                <a:latin typeface="Times New Roman" pitchFamily="18" charset="0"/>
+                <a:latin typeface="Bookman Old Style" panose="02050604050505020204" pitchFamily="18" charset="0"/>
                 <a:cs typeface="Times New Roman" pitchFamily="18" charset="0"/>
               </a:rPr>
               <a:t/>
             </a:r>
             <a:br>
               <a:rPr lang="ru-RU" sz="1600" dirty="0">
-                <a:latin typeface="Times New Roman" pitchFamily="18" charset="0"/>
+                <a:latin typeface="Bookman Old Style" panose="02050604050505020204" pitchFamily="18" charset="0"/>
                 <a:cs typeface="Times New Roman" pitchFamily="18" charset="0"/>
               </a:rPr>
             </a:br>
             <a:r>
               <a:rPr lang="ru-RU" sz="1400" cap="all" dirty="0">
-                <a:latin typeface="Times New Roman" pitchFamily="18" charset="0"/>
+                <a:latin typeface="Bookman Old Style" panose="02050604050505020204" pitchFamily="18" charset="0"/>
                 <a:cs typeface="Times New Roman" pitchFamily="18" charset="0"/>
               </a:rPr>
               <a:t>Кафедра «Прикладная математика </a:t>
             </a:r>
             <a:br>
               <a:rPr lang="ru-RU" sz="1400" cap="all" dirty="0">
-                <a:latin typeface="Times New Roman" pitchFamily="18" charset="0"/>
+                <a:latin typeface="Bookman Old Style" panose="02050604050505020204" pitchFamily="18" charset="0"/>
                 <a:cs typeface="Times New Roman" pitchFamily="18" charset="0"/>
               </a:rPr>
             </a:br>
             <a:r>
               <a:rPr lang="ru-RU" sz="1400" cap="all" dirty="0">
-                <a:latin typeface="Times New Roman" pitchFamily="18" charset="0"/>
+                <a:latin typeface="Bookman Old Style" panose="02050604050505020204" pitchFamily="18" charset="0"/>
                 <a:cs typeface="Times New Roman" pitchFamily="18" charset="0"/>
               </a:rPr>
               <a:t>и информационные технологии</a:t>
@@ -3536,18 +3536,46 @@
               </a:rPr>
             </a:br>
             <a:r>
-              <a:rPr lang="ru-RU" sz="1600" i="1" dirty="0" smtClean="0">
-                <a:latin typeface="Times New Roman" pitchFamily="18" charset="0"/>
+              <a:rPr lang="ru-RU" sz="2000" i="1" dirty="0">
+                <a:latin typeface="Bookman Old Style" panose="02050604050505020204" pitchFamily="18" charset="0"/>
                 <a:cs typeface="Times New Roman" pitchFamily="18" charset="0"/>
               </a:rPr>
-              <a:t>Мансуров Рустам </a:t>
-            </a:r>
-            <a:r>
-              <a:rPr lang="ru-RU" sz="1600" i="1" dirty="0" err="1" smtClean="0">
-                <a:latin typeface="Times New Roman" pitchFamily="18" charset="0"/>
+              <a:t>Мансуров Р.Р</a:t>
+            </a:r>
+            <a:r>
+              <a:rPr lang="ru-RU" sz="2000" i="1" dirty="0" smtClean="0">
+                <a:latin typeface="Bookman Old Style" panose="02050604050505020204" pitchFamily="18" charset="0"/>
                 <a:cs typeface="Times New Roman" pitchFamily="18" charset="0"/>
               </a:rPr>
-              <a:t>Ренатович</a:t>
+              <a:t>.</a:t>
+            </a:r>
+            <a:r>
+              <a:rPr lang="ru-RU" sz="2000" i="1" dirty="0">
+                <a:latin typeface="Bookman Old Style" panose="02050604050505020204" pitchFamily="18" charset="0"/>
+                <a:cs typeface="Times New Roman" pitchFamily="18" charset="0"/>
+              </a:rPr>
+              <a:t> ,</a:t>
+            </a:r>
+            <a:r>
+              <a:rPr lang="ru-RU" sz="2000" i="1" dirty="0" smtClean="0">
+                <a:latin typeface="Bookman Old Style" panose="02050604050505020204" pitchFamily="18" charset="0"/>
+                <a:cs typeface="Times New Roman" pitchFamily="18" charset="0"/>
+              </a:rPr>
+              <a:t> </a:t>
+            </a:r>
+            <a:r>
+              <a:rPr lang="ru-RU" sz="2000" i="1" dirty="0">
+                <a:latin typeface="Bookman Old Style" panose="02050604050505020204" pitchFamily="18" charset="0"/>
+                <a:cs typeface="Times New Roman" pitchFamily="18" charset="0"/>
+              </a:rPr>
+              <a:t>Королев </a:t>
+            </a:r>
+            <a:r>
+              <a:rPr lang="ru-RU" sz="2000" i="1" dirty="0" smtClean="0">
+                <a:latin typeface="Bookman Old Style" panose="02050604050505020204" pitchFamily="18" charset="0"/>
+                <a:cs typeface="Times New Roman" pitchFamily="18" charset="0"/>
+              </a:rPr>
+              <a:t>С.А. </a:t>
             </a:r>
             <a:r>
               <a:rPr lang="ru-RU" sz="1800" cap="all" dirty="0" smtClean="0">
@@ -3590,17 +3618,24 @@
             </a:br>
             <a:r>
               <a:rPr lang="ru-RU" sz="1800" cap="all" dirty="0" smtClean="0">
+                <a:latin typeface="Bookman Old Style" panose="02050604050505020204" pitchFamily="18" charset="0"/>
+                <a:cs typeface="Times New Roman" pitchFamily="18" charset="0"/>
+              </a:rPr>
+              <a:t>«</a:t>
+            </a:r>
+            <a:r>
+              <a:rPr lang="ru-RU" sz="1800" cap="all" dirty="0">
+                <a:latin typeface="Bookman Old Style" panose="02050604050505020204" pitchFamily="18" charset="0"/>
+                <a:cs typeface="Times New Roman" pitchFamily="18" charset="0"/>
+              </a:rPr>
+              <a:t>РЕШЕНИЕ ЗАДАЧИ МАКСИМИЗАЦИИ ДАЛЬНОСТИ ПОЛЁТА АКТИВНО-РЕАКТИВНОГО СНАРЯДА С УЧЕТОМ УСТОЙЧИВОСТИ ДВИЖЕНИЯ НА ВСЕЙ ТРАЕКТОРИИ</a:t>
+            </a:r>
+            <a:r>
+              <a:rPr lang="ru-RU" sz="1800" cap="all" dirty="0">
                 <a:latin typeface="Times New Roman" pitchFamily="18" charset="0"/>
                 <a:cs typeface="Times New Roman" pitchFamily="18" charset="0"/>
               </a:rPr>
-              <a:t>«</a:t>
-            </a:r>
-            <a:r>
-              <a:rPr lang="ru-RU" sz="1600" cap="all" dirty="0">
-                <a:latin typeface="Times New Roman" pitchFamily="18" charset="0"/>
-                <a:cs typeface="Times New Roman" pitchFamily="18" charset="0"/>
-              </a:rPr>
-              <a:t>РЕШЕНИЕ ЗАДАЧИ МАКСИМИЗАЦИИ ДАЛЬНОСТИ ПОЛЁТА АКТИВНО-РЕАКТИВНОГО СНАРЯДА С УЧЕТОМ УСТОЙЧИВОСТИ ДВИЖЕНИЯ НА ВСЕЙ ТРАЕКТОРИИ»</a:t>
+              <a:t>»</a:t>
             </a:r>
             <a:r>
               <a:rPr lang="ru-RU" sz="1600" dirty="0" smtClean="0">
@@ -3630,8 +3665,8 @@
         </p:nvSpPr>
         <p:spPr>
           <a:xfrm>
-            <a:off x="0" y="4487348"/>
-            <a:ext cx="9144000" cy="646331"/>
+            <a:off x="0" y="4235100"/>
+            <a:ext cx="9144000" cy="830997"/>
           </a:xfrm>
           <a:prstGeom prst="rect">
             <a:avLst/>
@@ -3649,7 +3684,7 @@
               </a:spcBef>
             </a:pPr>
             <a:r>
-              <a:rPr lang="ru-RU" sz="1200" dirty="0">
+              <a:rPr lang="ru-RU" sz="1200" b="1" dirty="0">
                 <a:solidFill>
                   <a:schemeClr val="tx2"/>
                 </a:solidFill>
@@ -3658,7 +3693,7 @@
               <a:t>XI Всероссийская Конференция по </a:t>
             </a:r>
             <a:r>
-              <a:rPr lang="ru-RU" sz="1200" dirty="0" err="1">
+              <a:rPr lang="ru-RU" sz="1200" b="1" dirty="0" err="1">
                 <a:solidFill>
                   <a:schemeClr val="tx2"/>
                 </a:solidFill>
@@ -3667,7 +3702,7 @@
               <a:t>внутрикамерным</a:t>
             </a:r>
             <a:r>
-              <a:rPr lang="ru-RU" sz="1200" dirty="0">
+              <a:rPr lang="ru-RU" sz="1200" b="1" dirty="0">
                 <a:solidFill>
                   <a:schemeClr val="tx2"/>
                 </a:solidFill>
@@ -3676,7 +3711,7 @@
               <a:t> процессам и горению в установках на твердом топливе и ствольных системах (</a:t>
             </a:r>
             <a:r>
-              <a:rPr lang="ru-RU" sz="1200" dirty="0" smtClean="0">
+              <a:rPr lang="ru-RU" sz="1200" b="1" dirty="0" smtClean="0">
                 <a:solidFill>
                   <a:schemeClr val="tx2"/>
                 </a:solidFill>
@@ -3692,7 +3727,7 @@
               </a:spcBef>
             </a:pPr>
             <a:r>
-              <a:rPr lang="ru-RU" sz="1200" dirty="0" smtClean="0">
+              <a:rPr lang="ru-RU" sz="1200" b="1" dirty="0" smtClean="0">
                 <a:solidFill>
                   <a:schemeClr val="tx2"/>
                 </a:solidFill>
@@ -3701,15 +3736,46 @@
               <a:t>14 </a:t>
             </a:r>
             <a:r>
-              <a:rPr lang="ru-RU" sz="1200" dirty="0">
+              <a:rPr lang="ru-RU" sz="1200" b="1" dirty="0">
                 <a:solidFill>
                   <a:schemeClr val="tx2"/>
                 </a:solidFill>
                 <a:latin typeface="Bookman Old Style" panose="02050604050505020204" pitchFamily="18" charset="0"/>
               </a:rPr>
-              <a:t>– 16 июня, 2023г., Ижевск</a:t>
-            </a:r>
-            <a:endParaRPr lang="ru-RU" sz="1200" dirty="0">
+              <a:t>– 16 июня, 2023г</a:t>
+            </a:r>
+            <a:r>
+              <a:rPr lang="ru-RU" sz="1200" b="1" dirty="0" smtClean="0">
+                <a:solidFill>
+                  <a:schemeClr val="tx2"/>
+                </a:solidFill>
+                <a:latin typeface="Bookman Old Style" panose="02050604050505020204" pitchFamily="18" charset="0"/>
+              </a:rPr>
+              <a:t>.</a:t>
+            </a:r>
+            <a:endParaRPr lang="en-US" sz="1200" b="1" dirty="0" smtClean="0">
+              <a:solidFill>
+                <a:schemeClr val="tx2"/>
+              </a:solidFill>
+              <a:latin typeface="Bookman Old Style" panose="02050604050505020204" pitchFamily="18" charset="0"/>
+            </a:endParaRPr>
+          </a:p>
+          <a:p>
+            <a:pPr algn="ctr">
+              <a:spcBef>
+                <a:spcPct val="0"/>
+              </a:spcBef>
+            </a:pPr>
+            <a:r>
+              <a:rPr lang="ru-RU" sz="1200" b="1" dirty="0" smtClean="0">
+                <a:solidFill>
+                  <a:schemeClr val="tx2"/>
+                </a:solidFill>
+                <a:latin typeface="Bookman Old Style" panose="02050604050505020204" pitchFamily="18" charset="0"/>
+              </a:rPr>
+              <a:t>ИжГТУ им. М.Т. Калашникова, г. Ижевск, Россия</a:t>
+            </a:r>
+            <a:endParaRPr lang="ru-RU" sz="1200" b="1" dirty="0">
               <a:solidFill>
                 <a:schemeClr val="tx2"/>
               </a:solidFill>
@@ -4581,28 +4647,28 @@
                 <a:gridCol w="1371600">
                   <a:extLst>
                     <a:ext uri="{9D8B030D-6E8A-4147-A177-3AD203B41FA5}">
-                      <a16:colId xmlns:a16="http://schemas.microsoft.com/office/drawing/2014/main" val="20000"/>
+                      <a16:colId xmlns:a16="http://schemas.microsoft.com/office/drawing/2014/main" xmlns="" val="20000"/>
                     </a:ext>
                   </a:extLst>
                 </a:gridCol>
                 <a:gridCol w="1003082">
                   <a:extLst>
                     <a:ext uri="{9D8B030D-6E8A-4147-A177-3AD203B41FA5}">
-                      <a16:colId xmlns:a16="http://schemas.microsoft.com/office/drawing/2014/main" val="20001"/>
+                      <a16:colId xmlns:a16="http://schemas.microsoft.com/office/drawing/2014/main" xmlns="" val="20001"/>
                     </a:ext>
                   </a:extLst>
                 </a:gridCol>
                 <a:gridCol w="1187341">
                   <a:extLst>
                     <a:ext uri="{9D8B030D-6E8A-4147-A177-3AD203B41FA5}">
-                      <a16:colId xmlns:a16="http://schemas.microsoft.com/office/drawing/2014/main" val="20002"/>
+                      <a16:colId xmlns:a16="http://schemas.microsoft.com/office/drawing/2014/main" xmlns="" val="20002"/>
                     </a:ext>
                   </a:extLst>
                 </a:gridCol>
                 <a:gridCol w="1187341">
                   <a:extLst>
                     <a:ext uri="{9D8B030D-6E8A-4147-A177-3AD203B41FA5}">
-                      <a16:colId xmlns:a16="http://schemas.microsoft.com/office/drawing/2014/main" val="20003"/>
+                      <a16:colId xmlns:a16="http://schemas.microsoft.com/office/drawing/2014/main" xmlns="" val="20003"/>
                     </a:ext>
                   </a:extLst>
                 </a:gridCol>
@@ -4750,7 +4816,7 @@
                 </a:tc>
                 <a:extLst>
                   <a:ext uri="{0D108BD9-81ED-4DB2-BD59-A6C34878D82A}">
-                    <a16:rowId xmlns:a16="http://schemas.microsoft.com/office/drawing/2014/main" val="10000"/>
+                    <a16:rowId xmlns:a16="http://schemas.microsoft.com/office/drawing/2014/main" xmlns="" val="10000"/>
                   </a:ext>
                 </a:extLst>
               </a:tr>
@@ -4907,7 +4973,7 @@
                 </a:tc>
                 <a:extLst>
                   <a:ext uri="{0D108BD9-81ED-4DB2-BD59-A6C34878D82A}">
-                    <a16:rowId xmlns:a16="http://schemas.microsoft.com/office/drawing/2014/main" val="10001"/>
+                    <a16:rowId xmlns:a16="http://schemas.microsoft.com/office/drawing/2014/main" xmlns="" val="10001"/>
                   </a:ext>
                 </a:extLst>
               </a:tr>
@@ -5039,7 +5105,7 @@
                 </a:tc>
                 <a:extLst>
                   <a:ext uri="{0D108BD9-81ED-4DB2-BD59-A6C34878D82A}">
-                    <a16:rowId xmlns:a16="http://schemas.microsoft.com/office/drawing/2014/main" val="10002"/>
+                    <a16:rowId xmlns:a16="http://schemas.microsoft.com/office/drawing/2014/main" xmlns="" val="10002"/>
                   </a:ext>
                 </a:extLst>
               </a:tr>
@@ -5178,7 +5244,7 @@
                 </a:tc>
                 <a:extLst>
                   <a:ext uri="{0D108BD9-81ED-4DB2-BD59-A6C34878D82A}">
-                    <a16:rowId xmlns:a16="http://schemas.microsoft.com/office/drawing/2014/main" val="10003"/>
+                    <a16:rowId xmlns:a16="http://schemas.microsoft.com/office/drawing/2014/main" xmlns="" val="10003"/>
                   </a:ext>
                 </a:extLst>
               </a:tr>
@@ -5307,7 +5373,7 @@
                 </a:tc>
                 <a:extLst>
                   <a:ext uri="{0D108BD9-81ED-4DB2-BD59-A6C34878D82A}">
-                    <a16:rowId xmlns:a16="http://schemas.microsoft.com/office/drawing/2014/main" val="10004"/>
+                    <a16:rowId xmlns:a16="http://schemas.microsoft.com/office/drawing/2014/main" xmlns="" val="10004"/>
                   </a:ext>
                 </a:extLst>
               </a:tr>
@@ -5439,7 +5505,7 @@
                 </a:tc>
                 <a:extLst>
                   <a:ext uri="{0D108BD9-81ED-4DB2-BD59-A6C34878D82A}">
-                    <a16:rowId xmlns:a16="http://schemas.microsoft.com/office/drawing/2014/main" val="10005"/>
+                    <a16:rowId xmlns:a16="http://schemas.microsoft.com/office/drawing/2014/main" xmlns="" val="10005"/>
                   </a:ext>
                 </a:extLst>
               </a:tr>
@@ -5563,7 +5629,7 @@
                 </a:tc>
                 <a:extLst>
                   <a:ext uri="{0D108BD9-81ED-4DB2-BD59-A6C34878D82A}">
-                    <a16:rowId xmlns:a16="http://schemas.microsoft.com/office/drawing/2014/main" val="10006"/>
+                    <a16:rowId xmlns:a16="http://schemas.microsoft.com/office/drawing/2014/main" xmlns="" val="10006"/>
                   </a:ext>
                 </a:extLst>
               </a:tr>
@@ -5703,7 +5769,7 @@
                 </a:tc>
                 <a:extLst>
                   <a:ext uri="{0D108BD9-81ED-4DB2-BD59-A6C34878D82A}">
-                    <a16:rowId xmlns:a16="http://schemas.microsoft.com/office/drawing/2014/main" val="10007"/>
+                    <a16:rowId xmlns:a16="http://schemas.microsoft.com/office/drawing/2014/main" xmlns="" val="10007"/>
                   </a:ext>
                 </a:extLst>
               </a:tr>
@@ -5843,7 +5909,7 @@
                 </a:tc>
                 <a:extLst>
                   <a:ext uri="{0D108BD9-81ED-4DB2-BD59-A6C34878D82A}">
-                    <a16:rowId xmlns:a16="http://schemas.microsoft.com/office/drawing/2014/main" val="10008"/>
+                    <a16:rowId xmlns:a16="http://schemas.microsoft.com/office/drawing/2014/main" xmlns="" val="10008"/>
                   </a:ext>
                 </a:extLst>
               </a:tr>
@@ -5928,28 +5994,28 @@
                 <a:gridCol w="1072141">
                   <a:extLst>
                     <a:ext uri="{9D8B030D-6E8A-4147-A177-3AD203B41FA5}">
-                      <a16:colId xmlns:a16="http://schemas.microsoft.com/office/drawing/2014/main" val="20000"/>
+                      <a16:colId xmlns:a16="http://schemas.microsoft.com/office/drawing/2014/main" xmlns="" val="20000"/>
                     </a:ext>
                   </a:extLst>
                 </a:gridCol>
                 <a:gridCol w="933277">
                   <a:extLst>
                     <a:ext uri="{9D8B030D-6E8A-4147-A177-3AD203B41FA5}">
-                      <a16:colId xmlns:a16="http://schemas.microsoft.com/office/drawing/2014/main" val="20001"/>
+                      <a16:colId xmlns:a16="http://schemas.microsoft.com/office/drawing/2014/main" xmlns="" val="20001"/>
                     </a:ext>
                   </a:extLst>
                 </a:gridCol>
                 <a:gridCol w="1002709">
                   <a:extLst>
                     <a:ext uri="{9D8B030D-6E8A-4147-A177-3AD203B41FA5}">
-                      <a16:colId xmlns:a16="http://schemas.microsoft.com/office/drawing/2014/main" val="20002"/>
+                      <a16:colId xmlns:a16="http://schemas.microsoft.com/office/drawing/2014/main" xmlns="" val="20002"/>
                     </a:ext>
                   </a:extLst>
                 </a:gridCol>
                 <a:gridCol w="1002709">
                   <a:extLst>
                     <a:ext uri="{9D8B030D-6E8A-4147-A177-3AD203B41FA5}">
-                      <a16:colId xmlns:a16="http://schemas.microsoft.com/office/drawing/2014/main" val="20003"/>
+                      <a16:colId xmlns:a16="http://schemas.microsoft.com/office/drawing/2014/main" xmlns="" val="20003"/>
                     </a:ext>
                   </a:extLst>
                 </a:gridCol>
@@ -6097,7 +6163,7 @@
                 </a:tc>
                 <a:extLst>
                   <a:ext uri="{0D108BD9-81ED-4DB2-BD59-A6C34878D82A}">
-                    <a16:rowId xmlns:a16="http://schemas.microsoft.com/office/drawing/2014/main" val="10000"/>
+                    <a16:rowId xmlns:a16="http://schemas.microsoft.com/office/drawing/2014/main" xmlns="" val="10000"/>
                   </a:ext>
                 </a:extLst>
               </a:tr>
@@ -6238,7 +6304,7 @@
                 </a:tc>
                 <a:extLst>
                   <a:ext uri="{0D108BD9-81ED-4DB2-BD59-A6C34878D82A}">
-                    <a16:rowId xmlns:a16="http://schemas.microsoft.com/office/drawing/2014/main" val="10001"/>
+                    <a16:rowId xmlns:a16="http://schemas.microsoft.com/office/drawing/2014/main" xmlns="" val="10001"/>
                   </a:ext>
                 </a:extLst>
               </a:tr>
@@ -6379,7 +6445,7 @@
                 </a:tc>
                 <a:extLst>
                   <a:ext uri="{0D108BD9-81ED-4DB2-BD59-A6C34878D82A}">
-                    <a16:rowId xmlns:a16="http://schemas.microsoft.com/office/drawing/2014/main" val="10002"/>
+                    <a16:rowId xmlns:a16="http://schemas.microsoft.com/office/drawing/2014/main" xmlns="" val="10002"/>
                   </a:ext>
                 </a:extLst>
               </a:tr>
@@ -6522,7 +6588,7 @@
                 </a:tc>
                 <a:extLst>
                   <a:ext uri="{0D108BD9-81ED-4DB2-BD59-A6C34878D82A}">
-                    <a16:rowId xmlns:a16="http://schemas.microsoft.com/office/drawing/2014/main" val="10004"/>
+                    <a16:rowId xmlns:a16="http://schemas.microsoft.com/office/drawing/2014/main" xmlns="" val="10004"/>
                   </a:ext>
                 </a:extLst>
               </a:tr>
@@ -7485,7 +7551,7 @@
         </p:nvGraphicFramePr>
         <p:xfrm>
           <a:off x="4673737" y="3665254"/>
-          <a:ext cx="4010836" cy="1090041"/>
+          <a:ext cx="4010836" cy="1188720"/>
         </p:xfrm>
         <a:graphic>
           <a:graphicData uri="http://schemas.openxmlformats.org/drawingml/2006/table">
@@ -7497,28 +7563,28 @@
                 <a:gridCol w="1002709">
                   <a:extLst>
                     <a:ext uri="{9D8B030D-6E8A-4147-A177-3AD203B41FA5}">
-                      <a16:colId xmlns:a16="http://schemas.microsoft.com/office/drawing/2014/main" val="20000"/>
+                      <a16:colId xmlns:a16="http://schemas.microsoft.com/office/drawing/2014/main" xmlns="" val="20000"/>
                     </a:ext>
                   </a:extLst>
                 </a:gridCol>
                 <a:gridCol w="1002709">
                   <a:extLst>
                     <a:ext uri="{9D8B030D-6E8A-4147-A177-3AD203B41FA5}">
-                      <a16:colId xmlns:a16="http://schemas.microsoft.com/office/drawing/2014/main" val="20001"/>
+                      <a16:colId xmlns:a16="http://schemas.microsoft.com/office/drawing/2014/main" xmlns="" val="20001"/>
                     </a:ext>
                   </a:extLst>
                 </a:gridCol>
                 <a:gridCol w="1002709">
                   <a:extLst>
                     <a:ext uri="{9D8B030D-6E8A-4147-A177-3AD203B41FA5}">
-                      <a16:colId xmlns:a16="http://schemas.microsoft.com/office/drawing/2014/main" val="20002"/>
+                      <a16:colId xmlns:a16="http://schemas.microsoft.com/office/drawing/2014/main" xmlns="" val="20002"/>
                     </a:ext>
                   </a:extLst>
                 </a:gridCol>
                 <a:gridCol w="1002709">
                   <a:extLst>
                     <a:ext uri="{9D8B030D-6E8A-4147-A177-3AD203B41FA5}">
-                      <a16:colId xmlns:a16="http://schemas.microsoft.com/office/drawing/2014/main" val="20003"/>
+                      <a16:colId xmlns:a16="http://schemas.microsoft.com/office/drawing/2014/main" xmlns="" val="20003"/>
                     </a:ext>
                   </a:extLst>
                 </a:gridCol>
@@ -7666,7 +7732,7 @@
                 </a:tc>
                 <a:extLst>
                   <a:ext uri="{0D108BD9-81ED-4DB2-BD59-A6C34878D82A}">
-                    <a16:rowId xmlns:a16="http://schemas.microsoft.com/office/drawing/2014/main" val="10000"/>
+                    <a16:rowId xmlns:a16="http://schemas.microsoft.com/office/drawing/2014/main" xmlns="" val="10000"/>
                   </a:ext>
                 </a:extLst>
               </a:tr>
@@ -7805,7 +7871,7 @@
                 </a:tc>
                 <a:extLst>
                   <a:ext uri="{0D108BD9-81ED-4DB2-BD59-A6C34878D82A}">
-                    <a16:rowId xmlns:a16="http://schemas.microsoft.com/office/drawing/2014/main" val="10001"/>
+                    <a16:rowId xmlns:a16="http://schemas.microsoft.com/office/drawing/2014/main" xmlns="" val="10001"/>
                   </a:ext>
                 </a:extLst>
               </a:tr>
@@ -7944,7 +8010,7 @@
                 </a:tc>
                 <a:extLst>
                   <a:ext uri="{0D108BD9-81ED-4DB2-BD59-A6C34878D82A}">
-                    <a16:rowId xmlns:a16="http://schemas.microsoft.com/office/drawing/2014/main" val="10002"/>
+                    <a16:rowId xmlns:a16="http://schemas.microsoft.com/office/drawing/2014/main" xmlns="" val="10002"/>
                   </a:ext>
                 </a:extLst>
               </a:tr>
@@ -8088,7 +8154,7 @@
                 </a:tc>
                 <a:extLst>
                   <a:ext uri="{0D108BD9-81ED-4DB2-BD59-A6C34878D82A}">
-                    <a16:rowId xmlns:a16="http://schemas.microsoft.com/office/drawing/2014/main" val="10004"/>
+                    <a16:rowId xmlns:a16="http://schemas.microsoft.com/office/drawing/2014/main" xmlns="" val="10004"/>
                   </a:ext>
                 </a:extLst>
               </a:tr>
@@ -8161,7 +8227,7 @@
         </p:nvGraphicFramePr>
         <p:xfrm>
           <a:off x="161188" y="641857"/>
-          <a:ext cx="4010836" cy="1090041"/>
+          <a:ext cx="4010836" cy="1188720"/>
         </p:xfrm>
         <a:graphic>
           <a:graphicData uri="http://schemas.openxmlformats.org/drawingml/2006/table">
@@ -8173,28 +8239,28 @@
                 <a:gridCol w="1002709">
                   <a:extLst>
                     <a:ext uri="{9D8B030D-6E8A-4147-A177-3AD203B41FA5}">
-                      <a16:colId xmlns:a16="http://schemas.microsoft.com/office/drawing/2014/main" val="20000"/>
+                      <a16:colId xmlns:a16="http://schemas.microsoft.com/office/drawing/2014/main" xmlns="" val="20000"/>
                     </a:ext>
                   </a:extLst>
                 </a:gridCol>
                 <a:gridCol w="1002709">
                   <a:extLst>
                     <a:ext uri="{9D8B030D-6E8A-4147-A177-3AD203B41FA5}">
-                      <a16:colId xmlns:a16="http://schemas.microsoft.com/office/drawing/2014/main" val="20001"/>
+                      <a16:colId xmlns:a16="http://schemas.microsoft.com/office/drawing/2014/main" xmlns="" val="20001"/>
                     </a:ext>
                   </a:extLst>
                 </a:gridCol>
                 <a:gridCol w="1002709">
                   <a:extLst>
                     <a:ext uri="{9D8B030D-6E8A-4147-A177-3AD203B41FA5}">
-                      <a16:colId xmlns:a16="http://schemas.microsoft.com/office/drawing/2014/main" val="20002"/>
+                      <a16:colId xmlns:a16="http://schemas.microsoft.com/office/drawing/2014/main" xmlns="" val="20002"/>
                     </a:ext>
                   </a:extLst>
                 </a:gridCol>
                 <a:gridCol w="1002709">
                   <a:extLst>
                     <a:ext uri="{9D8B030D-6E8A-4147-A177-3AD203B41FA5}">
-                      <a16:colId xmlns:a16="http://schemas.microsoft.com/office/drawing/2014/main" val="20003"/>
+                      <a16:colId xmlns:a16="http://schemas.microsoft.com/office/drawing/2014/main" xmlns="" val="20003"/>
                     </a:ext>
                   </a:extLst>
                 </a:gridCol>
@@ -8342,7 +8408,7 @@
                 </a:tc>
                 <a:extLst>
                   <a:ext uri="{0D108BD9-81ED-4DB2-BD59-A6C34878D82A}">
-                    <a16:rowId xmlns:a16="http://schemas.microsoft.com/office/drawing/2014/main" val="10000"/>
+                    <a16:rowId xmlns:a16="http://schemas.microsoft.com/office/drawing/2014/main" xmlns="" val="10000"/>
                   </a:ext>
                 </a:extLst>
               </a:tr>
@@ -8481,7 +8547,7 @@
                 </a:tc>
                 <a:extLst>
                   <a:ext uri="{0D108BD9-81ED-4DB2-BD59-A6C34878D82A}">
-                    <a16:rowId xmlns:a16="http://schemas.microsoft.com/office/drawing/2014/main" val="10001"/>
+                    <a16:rowId xmlns:a16="http://schemas.microsoft.com/office/drawing/2014/main" xmlns="" val="10001"/>
                   </a:ext>
                 </a:extLst>
               </a:tr>
@@ -8620,7 +8686,7 @@
                 </a:tc>
                 <a:extLst>
                   <a:ext uri="{0D108BD9-81ED-4DB2-BD59-A6C34878D82A}">
-                    <a16:rowId xmlns:a16="http://schemas.microsoft.com/office/drawing/2014/main" val="10002"/>
+                    <a16:rowId xmlns:a16="http://schemas.microsoft.com/office/drawing/2014/main" xmlns="" val="10002"/>
                   </a:ext>
                 </a:extLst>
               </a:tr>
@@ -8763,7 +8829,7 @@
                 </a:tc>
                 <a:extLst>
                   <a:ext uri="{0D108BD9-81ED-4DB2-BD59-A6C34878D82A}">
-                    <a16:rowId xmlns:a16="http://schemas.microsoft.com/office/drawing/2014/main" val="10004"/>
+                    <a16:rowId xmlns:a16="http://schemas.microsoft.com/office/drawing/2014/main" xmlns="" val="10004"/>
                   </a:ext>
                 </a:extLst>
               </a:tr>
@@ -8787,8 +8853,8 @@
         </p:blipFill>
         <p:spPr>
           <a:xfrm>
-            <a:off x="161188" y="1740855"/>
-            <a:ext cx="4100426" cy="2660478"/>
+            <a:off x="161188" y="1858615"/>
+            <a:ext cx="3918928" cy="2542717"/>
           </a:xfrm>
           <a:prstGeom prst="rect">
             <a:avLst/>
@@ -9827,7 +9893,7 @@
           <a:graphicData uri="http://schemas.openxmlformats.org/presentationml/2006/ole">
             <mc:AlternateContent xmlns:mc="http://schemas.openxmlformats.org/markup-compatibility/2006">
               <mc:Choice xmlns:v="urn:schemas-microsoft-com:vml" Requires="v">
-                <p:oleObj spid="_x0000_s42401" name="Уравнение" r:id="rId3" imgW="812520" imgH="482400" progId="Equation.3">
+                <p:oleObj spid="_x0000_s42413" name="Уравнение" r:id="rId3" imgW="812520" imgH="482400" progId="Equation.3">
                   <p:embed/>
                 </p:oleObj>
               </mc:Choice>
@@ -10007,7 +10073,7 @@
           <a:graphicData uri="http://schemas.openxmlformats.org/presentationml/2006/ole">
             <mc:AlternateContent xmlns:mc="http://schemas.openxmlformats.org/markup-compatibility/2006">
               <mc:Choice xmlns:v="urn:schemas-microsoft-com:vml" Requires="v">
-                <p:oleObj spid="_x0000_s42402" name="Уравнение" r:id="rId5" imgW="787320" imgH="507960" progId="Equation.3">
+                <p:oleObj spid="_x0000_s42414" name="Уравнение" r:id="rId5" imgW="787320" imgH="507960" progId="Equation.3">
                   <p:embed/>
                 </p:oleObj>
               </mc:Choice>
@@ -10064,7 +10130,7 @@
           <a:graphicData uri="http://schemas.openxmlformats.org/presentationml/2006/ole">
             <mc:AlternateContent xmlns:mc="http://schemas.openxmlformats.org/markup-compatibility/2006">
               <mc:Choice xmlns:v="urn:schemas-microsoft-com:vml" Requires="v">
-                <p:oleObj spid="_x0000_s42403" name="Уравнение" r:id="rId7" imgW="977760" imgH="520560" progId="Equation.3">
+                <p:oleObj spid="_x0000_s42415" name="Уравнение" r:id="rId7" imgW="977760" imgH="520560" progId="Equation.3">
                   <p:embed/>
                 </p:oleObj>
               </mc:Choice>
@@ -10251,7 +10317,7 @@
           <a:graphicData uri="http://schemas.openxmlformats.org/presentationml/2006/ole">
             <mc:AlternateContent xmlns:mc="http://schemas.openxmlformats.org/markup-compatibility/2006">
               <mc:Choice xmlns:v="urn:schemas-microsoft-com:vml" Requires="v">
-                <p:oleObj spid="_x0000_s42404" name="Уравнение" r:id="rId9" imgW="812520" imgH="203040" progId="Equation.3">
+                <p:oleObj spid="_x0000_s42416" name="Уравнение" r:id="rId9" imgW="812520" imgH="203040" progId="Equation.3">
                   <p:embed/>
                 </p:oleObj>
               </mc:Choice>
@@ -11280,28 +11346,28 @@
                 <a:gridCol w="875899">
                   <a:extLst>
                     <a:ext uri="{9D8B030D-6E8A-4147-A177-3AD203B41FA5}">
-                      <a16:colId xmlns:a16="http://schemas.microsoft.com/office/drawing/2014/main" val="20000"/>
+                      <a16:colId xmlns:a16="http://schemas.microsoft.com/office/drawing/2014/main" xmlns="" val="20000"/>
                     </a:ext>
                   </a:extLst>
                 </a:gridCol>
                 <a:gridCol w="875899">
                   <a:extLst>
                     <a:ext uri="{9D8B030D-6E8A-4147-A177-3AD203B41FA5}">
-                      <a16:colId xmlns:a16="http://schemas.microsoft.com/office/drawing/2014/main" val="20001"/>
+                      <a16:colId xmlns:a16="http://schemas.microsoft.com/office/drawing/2014/main" xmlns="" val="20001"/>
                     </a:ext>
                   </a:extLst>
                 </a:gridCol>
                 <a:gridCol w="875899">
                   <a:extLst>
                     <a:ext uri="{9D8B030D-6E8A-4147-A177-3AD203B41FA5}">
-                      <a16:colId xmlns:a16="http://schemas.microsoft.com/office/drawing/2014/main" val="20002"/>
+                      <a16:colId xmlns:a16="http://schemas.microsoft.com/office/drawing/2014/main" xmlns="" val="20002"/>
                     </a:ext>
                   </a:extLst>
                 </a:gridCol>
                 <a:gridCol w="875899">
                   <a:extLst>
                     <a:ext uri="{9D8B030D-6E8A-4147-A177-3AD203B41FA5}">
-                      <a16:colId xmlns:a16="http://schemas.microsoft.com/office/drawing/2014/main" val="20003"/>
+                      <a16:colId xmlns:a16="http://schemas.microsoft.com/office/drawing/2014/main" xmlns="" val="20003"/>
                     </a:ext>
                   </a:extLst>
                 </a:gridCol>
@@ -11599,7 +11665,7 @@
                 </a:tc>
                 <a:extLst>
                   <a:ext uri="{0D108BD9-81ED-4DB2-BD59-A6C34878D82A}">
-                    <a16:rowId xmlns:a16="http://schemas.microsoft.com/office/drawing/2014/main" val="10000"/>
+                    <a16:rowId xmlns:a16="http://schemas.microsoft.com/office/drawing/2014/main" xmlns="" val="10000"/>
                   </a:ext>
                 </a:extLst>
               </a:tr>
@@ -11883,7 +11949,7 @@
                 </a:tc>
                 <a:extLst>
                   <a:ext uri="{0D108BD9-81ED-4DB2-BD59-A6C34878D82A}">
-                    <a16:rowId xmlns:a16="http://schemas.microsoft.com/office/drawing/2014/main" val="10001"/>
+                    <a16:rowId xmlns:a16="http://schemas.microsoft.com/office/drawing/2014/main" xmlns="" val="10001"/>
                   </a:ext>
                 </a:extLst>
               </a:tr>
@@ -12174,7 +12240,7 @@
                 </a:tc>
                 <a:extLst>
                   <a:ext uri="{0D108BD9-81ED-4DB2-BD59-A6C34878D82A}">
-                    <a16:rowId xmlns:a16="http://schemas.microsoft.com/office/drawing/2014/main" val="63189236"/>
+                    <a16:rowId xmlns:a16="http://schemas.microsoft.com/office/drawing/2014/main" xmlns="" val="63189236"/>
                   </a:ext>
                 </a:extLst>
               </a:tr>
@@ -12259,28 +12325,28 @@
                 <a:gridCol w="875899">
                   <a:extLst>
                     <a:ext uri="{9D8B030D-6E8A-4147-A177-3AD203B41FA5}">
-                      <a16:colId xmlns:a16="http://schemas.microsoft.com/office/drawing/2014/main" val="20000"/>
+                      <a16:colId xmlns:a16="http://schemas.microsoft.com/office/drawing/2014/main" xmlns="" val="20000"/>
                     </a:ext>
                   </a:extLst>
                 </a:gridCol>
                 <a:gridCol w="875899">
                   <a:extLst>
                     <a:ext uri="{9D8B030D-6E8A-4147-A177-3AD203B41FA5}">
-                      <a16:colId xmlns:a16="http://schemas.microsoft.com/office/drawing/2014/main" val="20001"/>
+                      <a16:colId xmlns:a16="http://schemas.microsoft.com/office/drawing/2014/main" xmlns="" val="20001"/>
                     </a:ext>
                   </a:extLst>
                 </a:gridCol>
                 <a:gridCol w="875899">
                   <a:extLst>
                     <a:ext uri="{9D8B030D-6E8A-4147-A177-3AD203B41FA5}">
-                      <a16:colId xmlns:a16="http://schemas.microsoft.com/office/drawing/2014/main" val="20002"/>
+                      <a16:colId xmlns:a16="http://schemas.microsoft.com/office/drawing/2014/main" xmlns="" val="20002"/>
                     </a:ext>
                   </a:extLst>
                 </a:gridCol>
                 <a:gridCol w="875899">
                   <a:extLst>
                     <a:ext uri="{9D8B030D-6E8A-4147-A177-3AD203B41FA5}">
-                      <a16:colId xmlns:a16="http://schemas.microsoft.com/office/drawing/2014/main" val="20003"/>
+                      <a16:colId xmlns:a16="http://schemas.microsoft.com/office/drawing/2014/main" xmlns="" val="20003"/>
                     </a:ext>
                   </a:extLst>
                 </a:gridCol>
@@ -12589,7 +12655,7 @@
                 </a:tc>
                 <a:extLst>
                   <a:ext uri="{0D108BD9-81ED-4DB2-BD59-A6C34878D82A}">
-                    <a16:rowId xmlns:a16="http://schemas.microsoft.com/office/drawing/2014/main" val="10000"/>
+                    <a16:rowId xmlns:a16="http://schemas.microsoft.com/office/drawing/2014/main" xmlns="" val="10000"/>
                   </a:ext>
                 </a:extLst>
               </a:tr>
@@ -12874,7 +12940,7 @@
                 </a:tc>
                 <a:extLst>
                   <a:ext uri="{0D108BD9-81ED-4DB2-BD59-A6C34878D82A}">
-                    <a16:rowId xmlns:a16="http://schemas.microsoft.com/office/drawing/2014/main" val="10001"/>
+                    <a16:rowId xmlns:a16="http://schemas.microsoft.com/office/drawing/2014/main" xmlns="" val="10001"/>
                   </a:ext>
                 </a:extLst>
               </a:tr>
@@ -13704,35 +13770,35 @@
                 <a:gridCol w="766125">
                   <a:extLst>
                     <a:ext uri="{9D8B030D-6E8A-4147-A177-3AD203B41FA5}">
-                      <a16:colId xmlns:a16="http://schemas.microsoft.com/office/drawing/2014/main" val="20000"/>
+                      <a16:colId xmlns:a16="http://schemas.microsoft.com/office/drawing/2014/main" xmlns="" val="20000"/>
                     </a:ext>
                   </a:extLst>
                 </a:gridCol>
                 <a:gridCol w="766125">
                   <a:extLst>
                     <a:ext uri="{9D8B030D-6E8A-4147-A177-3AD203B41FA5}">
-                      <a16:colId xmlns:a16="http://schemas.microsoft.com/office/drawing/2014/main" val="20001"/>
+                      <a16:colId xmlns:a16="http://schemas.microsoft.com/office/drawing/2014/main" xmlns="" val="20001"/>
                     </a:ext>
                   </a:extLst>
                 </a:gridCol>
                 <a:gridCol w="766125">
                   <a:extLst>
                     <a:ext uri="{9D8B030D-6E8A-4147-A177-3AD203B41FA5}">
-                      <a16:colId xmlns:a16="http://schemas.microsoft.com/office/drawing/2014/main" val="20002"/>
+                      <a16:colId xmlns:a16="http://schemas.microsoft.com/office/drawing/2014/main" xmlns="" val="20002"/>
                     </a:ext>
                   </a:extLst>
                 </a:gridCol>
                 <a:gridCol w="766125">
                   <a:extLst>
                     <a:ext uri="{9D8B030D-6E8A-4147-A177-3AD203B41FA5}">
-                      <a16:colId xmlns:a16="http://schemas.microsoft.com/office/drawing/2014/main" val="20004"/>
+                      <a16:colId xmlns:a16="http://schemas.microsoft.com/office/drawing/2014/main" xmlns="" val="20004"/>
                     </a:ext>
                   </a:extLst>
                 </a:gridCol>
                 <a:gridCol w="766125">
                   <a:extLst>
                     <a:ext uri="{9D8B030D-6E8A-4147-A177-3AD203B41FA5}">
-                      <a16:colId xmlns:a16="http://schemas.microsoft.com/office/drawing/2014/main" val="20003"/>
+                      <a16:colId xmlns:a16="http://schemas.microsoft.com/office/drawing/2014/main" xmlns="" val="20003"/>
                     </a:ext>
                   </a:extLst>
                 </a:gridCol>
@@ -13872,7 +13938,7 @@
                 </a:tc>
                 <a:extLst>
                   <a:ext uri="{0D108BD9-81ED-4DB2-BD59-A6C34878D82A}">
-                    <a16:rowId xmlns:a16="http://schemas.microsoft.com/office/drawing/2014/main" val="3277355946"/>
+                    <a16:rowId xmlns:a16="http://schemas.microsoft.com/office/drawing/2014/main" xmlns="" val="3277355946"/>
                   </a:ext>
                 </a:extLst>
               </a:tr>
@@ -14011,7 +14077,7 @@
                 </a:tc>
                 <a:extLst>
                   <a:ext uri="{0D108BD9-81ED-4DB2-BD59-A6C34878D82A}">
-                    <a16:rowId xmlns:a16="http://schemas.microsoft.com/office/drawing/2014/main" val="10000"/>
+                    <a16:rowId xmlns:a16="http://schemas.microsoft.com/office/drawing/2014/main" xmlns="" val="10000"/>
                   </a:ext>
                 </a:extLst>
               </a:tr>
@@ -14138,7 +14204,7 @@
                 </a:tc>
                 <a:extLst>
                   <a:ext uri="{0D108BD9-81ED-4DB2-BD59-A6C34878D82A}">
-                    <a16:rowId xmlns:a16="http://schemas.microsoft.com/office/drawing/2014/main" val="10001"/>
+                    <a16:rowId xmlns:a16="http://schemas.microsoft.com/office/drawing/2014/main" xmlns="" val="10001"/>
                   </a:ext>
                 </a:extLst>
               </a:tr>
@@ -14223,35 +14289,35 @@
                 <a:gridCol w="875899">
                   <a:extLst>
                     <a:ext uri="{9D8B030D-6E8A-4147-A177-3AD203B41FA5}">
-                      <a16:colId xmlns:a16="http://schemas.microsoft.com/office/drawing/2014/main" val="20000"/>
+                      <a16:colId xmlns:a16="http://schemas.microsoft.com/office/drawing/2014/main" xmlns="" val="20000"/>
                     </a:ext>
                   </a:extLst>
                 </a:gridCol>
                 <a:gridCol w="752776">
                   <a:extLst>
                     <a:ext uri="{9D8B030D-6E8A-4147-A177-3AD203B41FA5}">
-                      <a16:colId xmlns:a16="http://schemas.microsoft.com/office/drawing/2014/main" val="20001"/>
+                      <a16:colId xmlns:a16="http://schemas.microsoft.com/office/drawing/2014/main" xmlns="" val="20001"/>
                     </a:ext>
                   </a:extLst>
                 </a:gridCol>
                 <a:gridCol w="861060">
                   <a:extLst>
                     <a:ext uri="{9D8B030D-6E8A-4147-A177-3AD203B41FA5}">
-                      <a16:colId xmlns:a16="http://schemas.microsoft.com/office/drawing/2014/main" val="20002"/>
+                      <a16:colId xmlns:a16="http://schemas.microsoft.com/office/drawing/2014/main" xmlns="" val="20002"/>
                     </a:ext>
                   </a:extLst>
                 </a:gridCol>
                 <a:gridCol w="899160">
                   <a:extLst>
                     <a:ext uri="{9D8B030D-6E8A-4147-A177-3AD203B41FA5}">
-                      <a16:colId xmlns:a16="http://schemas.microsoft.com/office/drawing/2014/main" val="20003"/>
+                      <a16:colId xmlns:a16="http://schemas.microsoft.com/office/drawing/2014/main" xmlns="" val="20003"/>
                     </a:ext>
                   </a:extLst>
                 </a:gridCol>
                 <a:gridCol w="990600">
                   <a:extLst>
                     <a:ext uri="{9D8B030D-6E8A-4147-A177-3AD203B41FA5}">
-                      <a16:colId xmlns:a16="http://schemas.microsoft.com/office/drawing/2014/main" val="20004"/>
+                      <a16:colId xmlns:a16="http://schemas.microsoft.com/office/drawing/2014/main" xmlns="" val="20004"/>
                     </a:ext>
                   </a:extLst>
                 </a:gridCol>
@@ -14499,7 +14565,7 @@
                 </a:tc>
                 <a:extLst>
                   <a:ext uri="{0D108BD9-81ED-4DB2-BD59-A6C34878D82A}">
-                    <a16:rowId xmlns:a16="http://schemas.microsoft.com/office/drawing/2014/main" val="2278183065"/>
+                    <a16:rowId xmlns:a16="http://schemas.microsoft.com/office/drawing/2014/main" xmlns="" val="2278183065"/>
                   </a:ext>
                 </a:extLst>
               </a:tr>
@@ -14646,7 +14712,7 @@
                 </a:tc>
                 <a:extLst>
                   <a:ext uri="{0D108BD9-81ED-4DB2-BD59-A6C34878D82A}">
-                    <a16:rowId xmlns:a16="http://schemas.microsoft.com/office/drawing/2014/main" val="10001"/>
+                    <a16:rowId xmlns:a16="http://schemas.microsoft.com/office/drawing/2014/main" xmlns="" val="10001"/>
                   </a:ext>
                 </a:extLst>
               </a:tr>
@@ -14676,7 +14742,7 @@
           <a:graphicData uri="http://schemas.openxmlformats.org/presentationml/2006/ole">
             <mc:AlternateContent xmlns:mc="http://schemas.openxmlformats.org/markup-compatibility/2006">
               <mc:Choice xmlns:v="urn:schemas-microsoft-com:vml" Requires="v">
-                <p:oleObj spid="_x0000_s52399" name="Формула" r:id="rId3" imgW="266400" imgH="228600" progId="Equation.3">
+                <p:oleObj spid="_x0000_s52408" name="Формула" r:id="rId3" imgW="266400" imgH="228600" progId="Equation.3">
                   <p:embed/>
                 </p:oleObj>
               </mc:Choice>
@@ -14738,7 +14804,7 @@
           <a:graphicData uri="http://schemas.openxmlformats.org/presentationml/2006/ole">
             <mc:AlternateContent xmlns:mc="http://schemas.openxmlformats.org/markup-compatibility/2006">
               <mc:Choice xmlns:v="urn:schemas-microsoft-com:vml" Requires="v">
-                <p:oleObj spid="_x0000_s52400" name="Формула" r:id="rId5" imgW="558720" imgH="228600" progId="Equation.3">
+                <p:oleObj spid="_x0000_s52409" name="Формула" r:id="rId5" imgW="558720" imgH="228600" progId="Equation.3">
                   <p:embed/>
                 </p:oleObj>
               </mc:Choice>
@@ -14800,7 +14866,7 @@
           <a:graphicData uri="http://schemas.openxmlformats.org/presentationml/2006/ole">
             <mc:AlternateContent xmlns:mc="http://schemas.openxmlformats.org/markup-compatibility/2006">
               <mc:Choice xmlns:v="urn:schemas-microsoft-com:vml" Requires="v">
-                <p:oleObj spid="_x0000_s52401" name="Формула" r:id="rId7" imgW="330057" imgH="203112" progId="">
+                <p:oleObj spid="_x0000_s52410" name="Формула" r:id="rId7" imgW="330057" imgH="203112" progId="">
                   <p:embed/>
                 </p:oleObj>
               </mc:Choice>
@@ -16324,49 +16390,49 @@
                 <a:gridCol w="885562">
                   <a:extLst>
                     <a:ext uri="{9D8B030D-6E8A-4147-A177-3AD203B41FA5}">
-                      <a16:colId xmlns:a16="http://schemas.microsoft.com/office/drawing/2014/main" val="20000"/>
+                      <a16:colId xmlns:a16="http://schemas.microsoft.com/office/drawing/2014/main" xmlns="" val="20000"/>
                     </a:ext>
                   </a:extLst>
                 </a:gridCol>
                 <a:gridCol w="1016848">
                   <a:extLst>
                     <a:ext uri="{9D8B030D-6E8A-4147-A177-3AD203B41FA5}">
-                      <a16:colId xmlns:a16="http://schemas.microsoft.com/office/drawing/2014/main" val="20001"/>
+                      <a16:colId xmlns:a16="http://schemas.microsoft.com/office/drawing/2014/main" xmlns="" val="20001"/>
                     </a:ext>
                   </a:extLst>
                 </a:gridCol>
                 <a:gridCol w="844766">
                   <a:extLst>
                     <a:ext uri="{9D8B030D-6E8A-4147-A177-3AD203B41FA5}">
-                      <a16:colId xmlns:a16="http://schemas.microsoft.com/office/drawing/2014/main" val="20002"/>
+                      <a16:colId xmlns:a16="http://schemas.microsoft.com/office/drawing/2014/main" xmlns="" val="20002"/>
                     </a:ext>
                   </a:extLst>
                 </a:gridCol>
                 <a:gridCol w="790012">
                   <a:extLst>
                     <a:ext uri="{9D8B030D-6E8A-4147-A177-3AD203B41FA5}">
-                      <a16:colId xmlns:a16="http://schemas.microsoft.com/office/drawing/2014/main" val="20003"/>
+                      <a16:colId xmlns:a16="http://schemas.microsoft.com/office/drawing/2014/main" xmlns="" val="20003"/>
                     </a:ext>
                   </a:extLst>
                 </a:gridCol>
                 <a:gridCol w="915163">
                   <a:extLst>
                     <a:ext uri="{9D8B030D-6E8A-4147-A177-3AD203B41FA5}">
-                      <a16:colId xmlns:a16="http://schemas.microsoft.com/office/drawing/2014/main" val="20004"/>
+                      <a16:colId xmlns:a16="http://schemas.microsoft.com/office/drawing/2014/main" xmlns="" val="20004"/>
                     </a:ext>
                   </a:extLst>
                 </a:gridCol>
                 <a:gridCol w="797834">
                   <a:extLst>
                     <a:ext uri="{9D8B030D-6E8A-4147-A177-3AD203B41FA5}">
-                      <a16:colId xmlns:a16="http://schemas.microsoft.com/office/drawing/2014/main" val="20006"/>
+                      <a16:colId xmlns:a16="http://schemas.microsoft.com/office/drawing/2014/main" xmlns="" val="20006"/>
                     </a:ext>
                   </a:extLst>
                 </a:gridCol>
                 <a:gridCol w="841243">
                   <a:extLst>
                     <a:ext uri="{9D8B030D-6E8A-4147-A177-3AD203B41FA5}">
-                      <a16:colId xmlns:a16="http://schemas.microsoft.com/office/drawing/2014/main" val="20005"/>
+                      <a16:colId xmlns:a16="http://schemas.microsoft.com/office/drawing/2014/main" xmlns="" val="20005"/>
                     </a:ext>
                   </a:extLst>
                 </a:gridCol>
@@ -16593,7 +16659,7 @@
                 </a:tc>
                 <a:extLst>
                   <a:ext uri="{0D108BD9-81ED-4DB2-BD59-A6C34878D82A}">
-                    <a16:rowId xmlns:a16="http://schemas.microsoft.com/office/drawing/2014/main" val="10000"/>
+                    <a16:rowId xmlns:a16="http://schemas.microsoft.com/office/drawing/2014/main" xmlns="" val="10000"/>
                   </a:ext>
                 </a:extLst>
               </a:tr>
@@ -16778,7 +16844,7 @@
                 </a:tc>
                 <a:extLst>
                   <a:ext uri="{0D108BD9-81ED-4DB2-BD59-A6C34878D82A}">
-                    <a16:rowId xmlns:a16="http://schemas.microsoft.com/office/drawing/2014/main" val="10001"/>
+                    <a16:rowId xmlns:a16="http://schemas.microsoft.com/office/drawing/2014/main" xmlns="" val="10001"/>
                   </a:ext>
                 </a:extLst>
               </a:tr>
@@ -16923,7 +16989,7 @@
                 </a:tc>
                 <a:extLst>
                   <a:ext uri="{0D108BD9-81ED-4DB2-BD59-A6C34878D82A}">
-                    <a16:rowId xmlns:a16="http://schemas.microsoft.com/office/drawing/2014/main" val="10002"/>
+                    <a16:rowId xmlns:a16="http://schemas.microsoft.com/office/drawing/2014/main" xmlns="" val="10002"/>
                   </a:ext>
                 </a:extLst>
               </a:tr>
@@ -17156,7 +17222,7 @@
                 </a:tc>
                 <a:extLst>
                   <a:ext uri="{0D108BD9-81ED-4DB2-BD59-A6C34878D82A}">
-                    <a16:rowId xmlns:a16="http://schemas.microsoft.com/office/drawing/2014/main" val="10004"/>
+                    <a16:rowId xmlns:a16="http://schemas.microsoft.com/office/drawing/2014/main" xmlns="" val="10004"/>
                   </a:ext>
                 </a:extLst>
               </a:tr>
@@ -17360,7 +17426,7 @@
                 </a:tc>
                 <a:extLst>
                   <a:ext uri="{0D108BD9-81ED-4DB2-BD59-A6C34878D82A}">
-                    <a16:rowId xmlns:a16="http://schemas.microsoft.com/office/drawing/2014/main" val="10005"/>
+                    <a16:rowId xmlns:a16="http://schemas.microsoft.com/office/drawing/2014/main" xmlns="" val="10005"/>
                   </a:ext>
                 </a:extLst>
               </a:tr>
@@ -17545,7 +17611,7 @@
                 </a:tc>
                 <a:extLst>
                   <a:ext uri="{0D108BD9-81ED-4DB2-BD59-A6C34878D82A}">
-                    <a16:rowId xmlns:a16="http://schemas.microsoft.com/office/drawing/2014/main" val="10007"/>
+                    <a16:rowId xmlns:a16="http://schemas.microsoft.com/office/drawing/2014/main" xmlns="" val="10007"/>
                   </a:ext>
                 </a:extLst>
               </a:tr>
@@ -17709,7 +17775,7 @@
                 </a:tc>
                 <a:extLst>
                   <a:ext uri="{0D108BD9-81ED-4DB2-BD59-A6C34878D82A}">
-                    <a16:rowId xmlns:a16="http://schemas.microsoft.com/office/drawing/2014/main" val="10008"/>
+                    <a16:rowId xmlns:a16="http://schemas.microsoft.com/office/drawing/2014/main" xmlns="" val="10008"/>
                   </a:ext>
                 </a:extLst>
               </a:tr>
@@ -20915,7 +20981,7 @@
           <a:graphicData uri="http://schemas.openxmlformats.org/presentationml/2006/ole">
             <mc:AlternateContent xmlns:mc="http://schemas.openxmlformats.org/markup-compatibility/2006">
               <mc:Choice xmlns:v="urn:schemas-microsoft-com:vml" Requires="v">
-                <p:oleObj spid="_x0000_s50698" name="Формула" r:id="rId3" imgW="317160" imgH="164880" progId="Equation.3">
+                <p:oleObj spid="_x0000_s50746" name="Формула" r:id="rId3" imgW="317160" imgH="164880" progId="Equation.3">
                   <p:embed/>
                 </p:oleObj>
               </mc:Choice>
@@ -20985,7 +21051,7 @@
           <a:graphicData uri="http://schemas.openxmlformats.org/presentationml/2006/ole">
             <mc:AlternateContent xmlns:mc="http://schemas.openxmlformats.org/markup-compatibility/2006">
               <mc:Choice xmlns:v="urn:schemas-microsoft-com:vml" Requires="v">
-                <p:oleObj spid="_x0000_s50699" name="Формула" r:id="rId5" imgW="1307880" imgH="241200" progId="Equation.3">
+                <p:oleObj spid="_x0000_s50747" name="Формула" r:id="rId5" imgW="1307880" imgH="241200" progId="Equation.3">
                   <p:embed/>
                 </p:oleObj>
               </mc:Choice>
@@ -21055,7 +21121,7 @@
           <a:graphicData uri="http://schemas.openxmlformats.org/presentationml/2006/ole">
             <mc:AlternateContent xmlns:mc="http://schemas.openxmlformats.org/markup-compatibility/2006">
               <mc:Choice xmlns:v="urn:schemas-microsoft-com:vml" Requires="v">
-                <p:oleObj spid="_x0000_s50700" name="Формула" r:id="rId7" imgW="596880" imgH="431640" progId="Equation.3">
+                <p:oleObj spid="_x0000_s50748" name="Формула" r:id="rId7" imgW="596880" imgH="431640" progId="Equation.3">
                   <p:embed/>
                 </p:oleObj>
               </mc:Choice>
@@ -21125,7 +21191,7 @@
           <a:graphicData uri="http://schemas.openxmlformats.org/presentationml/2006/ole">
             <mc:AlternateContent xmlns:mc="http://schemas.openxmlformats.org/markup-compatibility/2006">
               <mc:Choice xmlns:v="urn:schemas-microsoft-com:vml" Requires="v">
-                <p:oleObj spid="_x0000_s50701" name="Формула" r:id="rId9" imgW="1028520" imgH="431640" progId="Equation.3">
+                <p:oleObj spid="_x0000_s50749" name="Формула" r:id="rId9" imgW="1028520" imgH="431640" progId="Equation.3">
                   <p:embed/>
                 </p:oleObj>
               </mc:Choice>
@@ -21195,7 +21261,7 @@
           <a:graphicData uri="http://schemas.openxmlformats.org/presentationml/2006/ole">
             <mc:AlternateContent xmlns:mc="http://schemas.openxmlformats.org/markup-compatibility/2006">
               <mc:Choice xmlns:v="urn:schemas-microsoft-com:vml" Requires="v">
-                <p:oleObj spid="_x0000_s50702" name="Формула" r:id="rId11" imgW="1282680" imgH="228600" progId="Equation.3">
+                <p:oleObj spid="_x0000_s50750" name="Формула" r:id="rId11" imgW="1282680" imgH="228600" progId="Equation.3">
                   <p:embed/>
                 </p:oleObj>
               </mc:Choice>
@@ -21265,7 +21331,7 @@
           <a:graphicData uri="http://schemas.openxmlformats.org/presentationml/2006/ole">
             <mc:AlternateContent xmlns:mc="http://schemas.openxmlformats.org/markup-compatibility/2006">
               <mc:Choice xmlns:v="urn:schemas-microsoft-com:vml" Requires="v">
-                <p:oleObj spid="_x0000_s50703" name="Формула" r:id="rId13" imgW="1130040" imgH="431640" progId="Equation.3">
+                <p:oleObj spid="_x0000_s50751" name="Формула" r:id="rId13" imgW="1130040" imgH="431640" progId="Equation.3">
                   <p:embed/>
                 </p:oleObj>
               </mc:Choice>
@@ -21335,7 +21401,7 @@
           <a:graphicData uri="http://schemas.openxmlformats.org/presentationml/2006/ole">
             <mc:AlternateContent xmlns:mc="http://schemas.openxmlformats.org/markup-compatibility/2006">
               <mc:Choice xmlns:v="urn:schemas-microsoft-com:vml" Requires="v">
-                <p:oleObj spid="_x0000_s50704" name="Формула" r:id="rId15" imgW="1447560" imgH="495000" progId="Equation.3">
+                <p:oleObj spid="_x0000_s50752" name="Формула" r:id="rId15" imgW="1447560" imgH="495000" progId="Equation.3">
                   <p:embed/>
                 </p:oleObj>
               </mc:Choice>
@@ -21405,7 +21471,7 @@
           <a:graphicData uri="http://schemas.openxmlformats.org/presentationml/2006/ole">
             <mc:AlternateContent xmlns:mc="http://schemas.openxmlformats.org/markup-compatibility/2006">
               <mc:Choice xmlns:v="urn:schemas-microsoft-com:vml" Requires="v">
-                <p:oleObj spid="_x0000_s50705" name="Формула" r:id="rId17" imgW="749160" imgH="241200" progId="Equation.3">
+                <p:oleObj spid="_x0000_s50753" name="Формула" r:id="rId17" imgW="749160" imgH="241200" progId="Equation.3">
                   <p:embed/>
                 </p:oleObj>
               </mc:Choice>
@@ -21475,7 +21541,7 @@
           <a:graphicData uri="http://schemas.openxmlformats.org/presentationml/2006/ole">
             <mc:AlternateContent xmlns:mc="http://schemas.openxmlformats.org/markup-compatibility/2006">
               <mc:Choice xmlns:v="urn:schemas-microsoft-com:vml" Requires="v">
-                <p:oleObj spid="_x0000_s50706" name="Формула" r:id="rId19" imgW="1206360" imgH="241200" progId="Equation.3">
+                <p:oleObj spid="_x0000_s50754" name="Формула" r:id="rId19" imgW="1206360" imgH="241200" progId="Equation.3">
                   <p:embed/>
                 </p:oleObj>
               </mc:Choice>
@@ -21545,7 +21611,7 @@
           <a:graphicData uri="http://schemas.openxmlformats.org/presentationml/2006/ole">
             <mc:AlternateContent xmlns:mc="http://schemas.openxmlformats.org/markup-compatibility/2006">
               <mc:Choice xmlns:v="urn:schemas-microsoft-com:vml" Requires="v">
-                <p:oleObj spid="_x0000_s50707" name="Формула" r:id="rId21" imgW="634680" imgH="393480" progId="Equation.3">
+                <p:oleObj spid="_x0000_s50755" name="Формула" r:id="rId21" imgW="634680" imgH="393480" progId="Equation.3">
                   <p:embed/>
                 </p:oleObj>
               </mc:Choice>
@@ -21615,7 +21681,7 @@
           <a:graphicData uri="http://schemas.openxmlformats.org/presentationml/2006/ole">
             <mc:AlternateContent xmlns:mc="http://schemas.openxmlformats.org/markup-compatibility/2006">
               <mc:Choice xmlns:v="urn:schemas-microsoft-com:vml" Requires="v">
-                <p:oleObj spid="_x0000_s50708" name="Уравнение" r:id="rId23" imgW="4356000" imgH="482400" progId="Equation.3">
+                <p:oleObj spid="_x0000_s50756" name="Уравнение" r:id="rId23" imgW="4356000" imgH="482400" progId="Equation.3">
                   <p:embed/>
                 </p:oleObj>
               </mc:Choice>
@@ -21685,7 +21751,7 @@
           <a:graphicData uri="http://schemas.openxmlformats.org/presentationml/2006/ole">
             <mc:AlternateContent xmlns:mc="http://schemas.openxmlformats.org/markup-compatibility/2006">
               <mc:Choice xmlns:v="urn:schemas-microsoft-com:vml" Requires="v">
-                <p:oleObj spid="_x0000_s50709" name="Формула" r:id="rId25" imgW="2946240" imgH="431640" progId="Equation.3">
+                <p:oleObj spid="_x0000_s50757" name="Формула" r:id="rId25" imgW="2946240" imgH="431640" progId="Equation.3">
                   <p:embed/>
                 </p:oleObj>
               </mc:Choice>
@@ -22840,7 +22906,7 @@
           <a:graphicData uri="http://schemas.openxmlformats.org/presentationml/2006/ole">
             <mc:AlternateContent xmlns:mc="http://schemas.openxmlformats.org/markup-compatibility/2006">
               <mc:Choice xmlns:v="urn:schemas-microsoft-com:vml" Requires="v">
-                <p:oleObj spid="_x0000_s50710" name="Picture" r:id="rId27" imgW="5861465" imgH="2543447" progId="Word.Picture.8">
+                <p:oleObj spid="_x0000_s50758" name="Picture" r:id="rId27" imgW="5861465" imgH="2543447" progId="Word.Picture.8">
                   <p:embed/>
                 </p:oleObj>
               </mc:Choice>
@@ -23072,7 +23138,7 @@
           <a:graphicData uri="http://schemas.openxmlformats.org/presentationml/2006/ole">
             <mc:AlternateContent xmlns:mc="http://schemas.openxmlformats.org/markup-compatibility/2006">
               <mc:Choice xmlns:v="urn:schemas-microsoft-com:vml" Requires="v">
-                <p:oleObj spid="_x0000_s50711" name="Уравнение" r:id="rId29" imgW="3593880" imgH="965160" progId="Equation.3">
+                <p:oleObj spid="_x0000_s50759" name="Уравнение" r:id="rId29" imgW="3593880" imgH="965160" progId="Equation.3">
                   <p:embed/>
                 </p:oleObj>
               </mc:Choice>
@@ -23142,7 +23208,7 @@
           <a:graphicData uri="http://schemas.openxmlformats.org/presentationml/2006/ole">
             <mc:AlternateContent xmlns:mc="http://schemas.openxmlformats.org/markup-compatibility/2006">
               <mc:Choice xmlns:v="urn:schemas-microsoft-com:vml" Requires="v">
-                <p:oleObj spid="_x0000_s50712" name="Уравнение" r:id="rId31" imgW="1739880" imgH="241200" progId="Equation.3">
+                <p:oleObj spid="_x0000_s50760" name="Уравнение" r:id="rId31" imgW="1739880" imgH="241200" progId="Equation.3">
                   <p:embed/>
                 </p:oleObj>
               </mc:Choice>
@@ -23212,7 +23278,7 @@
           <a:graphicData uri="http://schemas.openxmlformats.org/presentationml/2006/ole">
             <mc:AlternateContent xmlns:mc="http://schemas.openxmlformats.org/markup-compatibility/2006">
               <mc:Choice xmlns:v="urn:schemas-microsoft-com:vml" Requires="v">
-                <p:oleObj spid="_x0000_s50713" name="Уравнение" r:id="rId33" imgW="1130040" imgH="393480" progId="Equation.3">
+                <p:oleObj spid="_x0000_s50761" name="Уравнение" r:id="rId33" imgW="1130040" imgH="393480" progId="Equation.3">
                   <p:embed/>
                 </p:oleObj>
               </mc:Choice>
@@ -23975,7 +24041,7 @@
         </p:nvSpPr>
         <p:spPr>
           <a:xfrm>
-            <a:off x="5441804" y="4258024"/>
+            <a:off x="5149345" y="4261346"/>
             <a:ext cx="3994655" cy="553998"/>
           </a:xfrm>
           <a:prstGeom prst="rect">
@@ -24001,7 +24067,28 @@
                 <a:latin typeface="Times New Roman" panose="02020603050405020304" pitchFamily="18" charset="0"/>
                 <a:cs typeface="Times New Roman" panose="02020603050405020304" pitchFamily="18" charset="0"/>
               </a:rPr>
-              <a:t>- Физические основы и газовая динамика горения порохов в артиллерийских системах М.-Ижевск: Институт компьютерных исследований, 2016. 456 с</a:t>
+              <a:t>- </a:t>
+            </a:r>
+            <a:r>
+              <a:rPr lang="ru-RU" sz="1000" dirty="0" err="1">
+                <a:latin typeface="Times New Roman" panose="02020603050405020304" pitchFamily="18" charset="0"/>
+                <a:cs typeface="Times New Roman" panose="02020603050405020304" pitchFamily="18" charset="0"/>
+              </a:rPr>
+              <a:t>Русяк</a:t>
+            </a:r>
+            <a:r>
+              <a:rPr lang="ru-RU" sz="1000" dirty="0">
+                <a:latin typeface="Times New Roman" panose="02020603050405020304" pitchFamily="18" charset="0"/>
+                <a:cs typeface="Times New Roman" panose="02020603050405020304" pitchFamily="18" charset="0"/>
+              </a:rPr>
+              <a:t> И. Г., Липанов А. М., Ушаков В. М., Физические </a:t>
+            </a:r>
+            <a:r>
+              <a:rPr lang="ru-RU" sz="1000" dirty="0">
+                <a:latin typeface="Times New Roman" panose="02020603050405020304" pitchFamily="18" charset="0"/>
+                <a:cs typeface="Times New Roman" panose="02020603050405020304" pitchFamily="18" charset="0"/>
+              </a:rPr>
+              <a:t>основы и газовая динамика горения порохов в артиллерийских системах М.-Ижевск: Институт компьютерных исследований, 2016. 456 с</a:t>
             </a:r>
           </a:p>
         </p:txBody>
@@ -25124,7 +25211,7 @@
           <a:graphicData uri="http://schemas.openxmlformats.org/presentationml/2006/ole">
             <mc:AlternateContent xmlns:mc="http://schemas.openxmlformats.org/markup-compatibility/2006">
               <mc:Choice xmlns:v="urn:schemas-microsoft-com:vml" Requires="v">
-                <p:oleObj spid="_x0000_s51560" name="Формула" r:id="rId3" imgW="545760" imgH="241200" progId="Equation.3">
+                <p:oleObj spid="_x0000_s51590" name="Формула" r:id="rId3" imgW="545760" imgH="241200" progId="Equation.3">
                   <p:embed/>
                 </p:oleObj>
               </mc:Choice>
@@ -25419,7 +25506,7 @@
           <a:graphicData uri="http://schemas.openxmlformats.org/presentationml/2006/ole">
             <mc:AlternateContent xmlns:mc="http://schemas.openxmlformats.org/markup-compatibility/2006">
               <mc:Choice xmlns:v="urn:schemas-microsoft-com:vml" Requires="v">
-                <p:oleObj spid="_x0000_s51561" name="Формула" r:id="rId5" imgW="1485720" imgH="609480" progId="Equation.3">
+                <p:oleObj spid="_x0000_s51591" name="Формула" r:id="rId5" imgW="1485720" imgH="609480" progId="Equation.3">
                   <p:embed/>
                 </p:oleObj>
               </mc:Choice>
@@ -25489,7 +25576,7 @@
           <a:graphicData uri="http://schemas.openxmlformats.org/presentationml/2006/ole">
             <mc:AlternateContent xmlns:mc="http://schemas.openxmlformats.org/markup-compatibility/2006">
               <mc:Choice xmlns:v="urn:schemas-microsoft-com:vml" Requires="v">
-                <p:oleObj spid="_x0000_s51562" name="Документ" r:id="rId7" imgW="5046662" imgH="2540557" progId="Word.Document.12">
+                <p:oleObj spid="_x0000_s51592" name="Документ" r:id="rId7" imgW="5046662" imgH="2540557" progId="Word.Document.12">
                   <p:embed/>
                 </p:oleObj>
               </mc:Choice>
@@ -25613,7 +25700,7 @@
           <a:graphicData uri="http://schemas.openxmlformats.org/presentationml/2006/ole">
             <mc:AlternateContent xmlns:mc="http://schemas.openxmlformats.org/markup-compatibility/2006">
               <mc:Choice xmlns:v="urn:schemas-microsoft-com:vml" Requires="v">
-                <p:oleObj spid="_x0000_s51563" name="Формула" r:id="rId9" imgW="1307880" imgH="482400" progId="Equation.3">
+                <p:oleObj spid="_x0000_s51593" name="Формула" r:id="rId9" imgW="1307880" imgH="482400" progId="Equation.3">
                   <p:embed/>
                 </p:oleObj>
               </mc:Choice>
@@ -25787,7 +25874,7 @@
           <a:graphicData uri="http://schemas.openxmlformats.org/presentationml/2006/ole">
             <mc:AlternateContent xmlns:mc="http://schemas.openxmlformats.org/markup-compatibility/2006">
               <mc:Choice xmlns:v="urn:schemas-microsoft-com:vml" Requires="v">
-                <p:oleObj spid="_x0000_s51564" name="Формула" r:id="rId11" imgW="1726920" imgH="266400" progId="Equation.3">
+                <p:oleObj spid="_x0000_s51594" name="Формула" r:id="rId11" imgW="1726920" imgH="266400" progId="Equation.3">
                   <p:embed/>
                 </p:oleObj>
               </mc:Choice>
@@ -25857,7 +25944,7 @@
           <a:graphicData uri="http://schemas.openxmlformats.org/presentationml/2006/ole">
             <mc:AlternateContent xmlns:mc="http://schemas.openxmlformats.org/markup-compatibility/2006">
               <mc:Choice xmlns:v="urn:schemas-microsoft-com:vml" Requires="v">
-                <p:oleObj spid="_x0000_s51565" name="Формула" r:id="rId13" imgW="2044440" imgH="520560" progId="Equation.3">
+                <p:oleObj spid="_x0000_s51595" name="Формула" r:id="rId13" imgW="2044440" imgH="520560" progId="Equation.3">
                   <p:embed/>
                 </p:oleObj>
               </mc:Choice>
@@ -25927,7 +26014,7 @@
           <a:graphicData uri="http://schemas.openxmlformats.org/presentationml/2006/ole">
             <mc:AlternateContent xmlns:mc="http://schemas.openxmlformats.org/markup-compatibility/2006">
               <mc:Choice xmlns:v="urn:schemas-microsoft-com:vml" Requires="v">
-                <p:oleObj spid="_x0000_s51566" name="Формула" r:id="rId15" imgW="1041120" imgH="444240" progId="Equation.3">
+                <p:oleObj spid="_x0000_s51596" name="Формула" r:id="rId15" imgW="1041120" imgH="444240" progId="Equation.3">
                   <p:embed/>
                 </p:oleObj>
               </mc:Choice>
@@ -25997,7 +26084,7 @@
           <a:graphicData uri="http://schemas.openxmlformats.org/presentationml/2006/ole">
             <mc:AlternateContent xmlns:mc="http://schemas.openxmlformats.org/markup-compatibility/2006">
               <mc:Choice xmlns:v="urn:schemas-microsoft-com:vml" Requires="v">
-                <p:oleObj spid="_x0000_s51567" name="Формула" r:id="rId17" imgW="2501640" imgH="533160" progId="Equation.3">
+                <p:oleObj spid="_x0000_s51597" name="Формула" r:id="rId17" imgW="2501640" imgH="533160" progId="Equation.3">
                   <p:embed/>
                 </p:oleObj>
               </mc:Choice>
@@ -26918,7 +27005,7 @@
           <a:graphicData uri="http://schemas.openxmlformats.org/presentationml/2006/ole">
             <mc:AlternateContent xmlns:mc="http://schemas.openxmlformats.org/markup-compatibility/2006">
               <mc:Choice xmlns:v="urn:schemas-microsoft-com:vml" Requires="v">
-                <p:oleObj spid="_x0000_s51568" name="Формула" r:id="rId19" imgW="698400" imgH="241200" progId="Equation.3">
+                <p:oleObj spid="_x0000_s51598" name="Формула" r:id="rId19" imgW="698400" imgH="241200" progId="Equation.3">
                   <p:embed/>
                 </p:oleObj>
               </mc:Choice>
@@ -26988,7 +27075,7 @@
           <a:graphicData uri="http://schemas.openxmlformats.org/presentationml/2006/ole">
             <mc:AlternateContent xmlns:mc="http://schemas.openxmlformats.org/markup-compatibility/2006">
               <mc:Choice xmlns:v="urn:schemas-microsoft-com:vml" Requires="v">
-                <p:oleObj spid="_x0000_s51569" name="Формула" r:id="rId21" imgW="825480" imgH="330120" progId="Equation.3">
+                <p:oleObj spid="_x0000_s51599" name="Формула" r:id="rId21" imgW="825480" imgH="330120" progId="Equation.3">
                   <p:embed/>
                 </p:oleObj>
               </mc:Choice>
@@ -28084,7 +28171,7 @@
           <a:graphicData uri="http://schemas.openxmlformats.org/presentationml/2006/ole">
             <mc:AlternateContent xmlns:mc="http://schemas.openxmlformats.org/markup-compatibility/2006">
               <mc:Choice xmlns:v="urn:schemas-microsoft-com:vml" Requires="v">
-                <p:oleObj spid="_x0000_s45789" name="Формула" r:id="rId3" imgW="1409400" imgH="215640" progId="Equation.3">
+                <p:oleObj spid="_x0000_s45795" name="Формула" r:id="rId3" imgW="1409400" imgH="215640" progId="Equation.3">
                   <p:embed/>
                 </p:oleObj>
               </mc:Choice>
@@ -28141,7 +28228,7 @@
           <a:graphicData uri="http://schemas.openxmlformats.org/presentationml/2006/ole">
             <mc:AlternateContent xmlns:mc="http://schemas.openxmlformats.org/markup-compatibility/2006">
               <mc:Choice xmlns:v="urn:schemas-microsoft-com:vml" Requires="v">
-                <p:oleObj spid="_x0000_s45790" name="Уравнение" r:id="rId5" imgW="1079280" imgH="241200" progId="Equation.3">
+                <p:oleObj spid="_x0000_s45796" name="Уравнение" r:id="rId5" imgW="1079280" imgH="241200" progId="Equation.3">
                   <p:embed/>
                 </p:oleObj>
               </mc:Choice>
@@ -28665,14 +28752,14 @@
                     <a:gridCol w="2307912">
                       <a:extLst>
                         <a:ext uri="{9D8B030D-6E8A-4147-A177-3AD203B41FA5}">
-                          <a16:colId xmlns:a16="http://schemas.microsoft.com/office/drawing/2014/main" val="20000"/>
+                          <a16:colId xmlns:a16="http://schemas.microsoft.com/office/drawing/2014/main" xmlns="" val="20000"/>
                         </a:ext>
                       </a:extLst>
                     </a:gridCol>
                     <a:gridCol w="1391700">
                       <a:extLst>
                         <a:ext uri="{9D8B030D-6E8A-4147-A177-3AD203B41FA5}">
-                          <a16:colId xmlns:a16="http://schemas.microsoft.com/office/drawing/2014/main" val="20001"/>
+                          <a16:colId xmlns:a16="http://schemas.microsoft.com/office/drawing/2014/main" xmlns="" val="20001"/>
                         </a:ext>
                       </a:extLst>
                     </a:gridCol>
@@ -28722,7 +28809,7 @@
                     </a:tc>
                     <a:extLst>
                       <a:ext uri="{0D108BD9-81ED-4DB2-BD59-A6C34878D82A}">
-                        <a16:rowId xmlns:a16="http://schemas.microsoft.com/office/drawing/2014/main" val="10000"/>
+                        <a16:rowId xmlns:a16="http://schemas.microsoft.com/office/drawing/2014/main" xmlns="" val="10000"/>
                       </a:ext>
                     </a:extLst>
                   </a:tr>
@@ -28797,7 +28884,7 @@
                     </a:tc>
                     <a:extLst>
                       <a:ext uri="{0D108BD9-81ED-4DB2-BD59-A6C34878D82A}">
-                        <a16:rowId xmlns:a16="http://schemas.microsoft.com/office/drawing/2014/main" val="10001"/>
+                        <a16:rowId xmlns:a16="http://schemas.microsoft.com/office/drawing/2014/main" xmlns="" val="10001"/>
                       </a:ext>
                     </a:extLst>
                   </a:tr>
@@ -28882,7 +28969,7 @@
                     </a:tc>
                     <a:extLst>
                       <a:ext uri="{0D108BD9-81ED-4DB2-BD59-A6C34878D82A}">
-                        <a16:rowId xmlns:a16="http://schemas.microsoft.com/office/drawing/2014/main" val="10002"/>
+                        <a16:rowId xmlns:a16="http://schemas.microsoft.com/office/drawing/2014/main" xmlns="" val="10002"/>
                       </a:ext>
                     </a:extLst>
                   </a:tr>
@@ -28983,7 +29070,7 @@
                     </a:tc>
                     <a:extLst>
                       <a:ext uri="{0D108BD9-81ED-4DB2-BD59-A6C34878D82A}">
-                        <a16:rowId xmlns:a16="http://schemas.microsoft.com/office/drawing/2014/main" val="10003"/>
+                        <a16:rowId xmlns:a16="http://schemas.microsoft.com/office/drawing/2014/main" xmlns="" val="10003"/>
                       </a:ext>
                     </a:extLst>
                   </a:tr>
@@ -29041,7 +29128,7 @@
                     </a:tc>
                     <a:extLst>
                       <a:ext uri="{0D108BD9-81ED-4DB2-BD59-A6C34878D82A}">
-                        <a16:rowId xmlns:a16="http://schemas.microsoft.com/office/drawing/2014/main" val="10004"/>
+                        <a16:rowId xmlns:a16="http://schemas.microsoft.com/office/drawing/2014/main" xmlns="" val="10004"/>
                       </a:ext>
                     </a:extLst>
                   </a:tr>
@@ -29155,7 +29242,7 @@
                     </a:tc>
                     <a:extLst>
                       <a:ext uri="{0D108BD9-81ED-4DB2-BD59-A6C34878D82A}">
-                        <a16:rowId xmlns:a16="http://schemas.microsoft.com/office/drawing/2014/main" val="10005"/>
+                        <a16:rowId xmlns:a16="http://schemas.microsoft.com/office/drawing/2014/main" xmlns="" val="10005"/>
                       </a:ext>
                     </a:extLst>
                   </a:tr>
@@ -29211,7 +29298,7 @@
                     </a:tc>
                     <a:extLst>
                       <a:ext uri="{0D108BD9-81ED-4DB2-BD59-A6C34878D82A}">
-                        <a16:rowId xmlns:a16="http://schemas.microsoft.com/office/drawing/2014/main" val="10006"/>
+                        <a16:rowId xmlns:a16="http://schemas.microsoft.com/office/drawing/2014/main" xmlns="" val="10006"/>
                       </a:ext>
                     </a:extLst>
                   </a:tr>
@@ -30294,7 +30381,7 @@
           <a:graphicData uri="http://schemas.openxmlformats.org/presentationml/2006/ole">
             <mc:AlternateContent xmlns:mc="http://schemas.openxmlformats.org/markup-compatibility/2006">
               <mc:Choice xmlns:v="urn:schemas-microsoft-com:vml" Requires="v">
-                <p:oleObj spid="_x0000_s53338" name="Формула" r:id="rId3" imgW="2095200" imgH="228600" progId="Equation.3">
+                <p:oleObj spid="_x0000_s53392" name="Формула" r:id="rId3" imgW="2095200" imgH="228600" progId="Equation.3">
                   <p:embed/>
                 </p:oleObj>
               </mc:Choice>
@@ -30364,7 +30451,7 @@
           <a:graphicData uri="http://schemas.openxmlformats.org/presentationml/2006/ole">
             <mc:AlternateContent xmlns:mc="http://schemas.openxmlformats.org/markup-compatibility/2006">
               <mc:Choice xmlns:v="urn:schemas-microsoft-com:vml" Requires="v">
-                <p:oleObj spid="_x0000_s53339" name="Формула" r:id="rId5" imgW="736560" imgH="228600" progId="Equation.3">
+                <p:oleObj spid="_x0000_s53393" name="Формула" r:id="rId5" imgW="736560" imgH="228600" progId="Equation.3">
                   <p:embed/>
                 </p:oleObj>
               </mc:Choice>
@@ -30871,7 +30958,7 @@
           <a:graphicData uri="http://schemas.openxmlformats.org/presentationml/2006/ole">
             <mc:AlternateContent xmlns:mc="http://schemas.openxmlformats.org/markup-compatibility/2006">
               <mc:Choice xmlns:v="urn:schemas-microsoft-com:vml" Requires="v">
-                <p:oleObj spid="_x0000_s53340" name="Формула" r:id="rId7" imgW="1143000" imgH="228600" progId="Equation.3">
+                <p:oleObj spid="_x0000_s53394" name="Формула" r:id="rId7" imgW="1143000" imgH="228600" progId="Equation.3">
                   <p:embed/>
                 </p:oleObj>
               </mc:Choice>
@@ -30941,7 +31028,7 @@
           <a:graphicData uri="http://schemas.openxmlformats.org/presentationml/2006/ole">
             <mc:AlternateContent xmlns:mc="http://schemas.openxmlformats.org/markup-compatibility/2006">
               <mc:Choice xmlns:v="urn:schemas-microsoft-com:vml" Requires="v">
-                <p:oleObj spid="_x0000_s53341" name="Формула" r:id="rId9" imgW="812520" imgH="228600" progId="Equation.3">
+                <p:oleObj spid="_x0000_s53395" name="Формула" r:id="rId9" imgW="812520" imgH="228600" progId="Equation.3">
                   <p:embed/>
                 </p:oleObj>
               </mc:Choice>
@@ -31011,7 +31098,7 @@
           <a:graphicData uri="http://schemas.openxmlformats.org/presentationml/2006/ole">
             <mc:AlternateContent xmlns:mc="http://schemas.openxmlformats.org/markup-compatibility/2006">
               <mc:Choice xmlns:v="urn:schemas-microsoft-com:vml" Requires="v">
-                <p:oleObj spid="_x0000_s53342" name="Формула" r:id="rId11" imgW="253800" imgH="228600" progId="Equation.3">
+                <p:oleObj spid="_x0000_s53396" name="Формула" r:id="rId11" imgW="253800" imgH="228600" progId="Equation.3">
                   <p:embed/>
                 </p:oleObj>
               </mc:Choice>
@@ -31134,7 +31221,7 @@
           <a:graphicData uri="http://schemas.openxmlformats.org/presentationml/2006/ole">
             <mc:AlternateContent xmlns:mc="http://schemas.openxmlformats.org/markup-compatibility/2006">
               <mc:Choice xmlns:v="urn:schemas-microsoft-com:vml" Requires="v">
-                <p:oleObj spid="_x0000_s53343" name="Формула" r:id="rId13" imgW="241200" imgH="228600" progId="Equation.3">
+                <p:oleObj spid="_x0000_s53397" name="Формула" r:id="rId13" imgW="241200" imgH="228600" progId="Equation.3">
                   <p:embed/>
                 </p:oleObj>
               </mc:Choice>
@@ -31204,7 +31291,7 @@
           <a:graphicData uri="http://schemas.openxmlformats.org/presentationml/2006/ole">
             <mc:AlternateContent xmlns:mc="http://schemas.openxmlformats.org/markup-compatibility/2006">
               <mc:Choice xmlns:v="urn:schemas-microsoft-com:vml" Requires="v">
-                <p:oleObj spid="_x0000_s53344" name="Формула" r:id="rId15" imgW="1447560" imgH="482400" progId="Equation.3">
+                <p:oleObj spid="_x0000_s53398" name="Формула" r:id="rId15" imgW="1447560" imgH="482400" progId="Equation.3">
                   <p:embed/>
                 </p:oleObj>
               </mc:Choice>
@@ -31430,7 +31517,7 @@
           <a:graphicData uri="http://schemas.openxmlformats.org/presentationml/2006/ole">
             <mc:AlternateContent xmlns:mc="http://schemas.openxmlformats.org/markup-compatibility/2006">
               <mc:Choice xmlns:v="urn:schemas-microsoft-com:vml" Requires="v">
-                <p:oleObj spid="_x0000_s53345" name="Уравнение" r:id="rId17" imgW="1422360" imgH="241200" progId="Equation.3">
+                <p:oleObj spid="_x0000_s53399" name="Уравнение" r:id="rId17" imgW="1422360" imgH="241200" progId="Equation.3">
                   <p:embed/>
                 </p:oleObj>
               </mc:Choice>
@@ -31500,7 +31587,7 @@
           <a:graphicData uri="http://schemas.openxmlformats.org/presentationml/2006/ole">
             <mc:AlternateContent xmlns:mc="http://schemas.openxmlformats.org/markup-compatibility/2006">
               <mc:Choice xmlns:v="urn:schemas-microsoft-com:vml" Requires="v">
-                <p:oleObj spid="_x0000_s53346" name="Формула" r:id="rId19" imgW="1168200" imgH="266400" progId="Equation.3">
+                <p:oleObj spid="_x0000_s53400" name="Формула" r:id="rId19" imgW="1168200" imgH="266400" progId="Equation.3">
                   <p:embed/>
                 </p:oleObj>
               </mc:Choice>
@@ -31570,7 +31657,7 @@
           <a:graphicData uri="http://schemas.openxmlformats.org/presentationml/2006/ole">
             <mc:AlternateContent xmlns:mc="http://schemas.openxmlformats.org/markup-compatibility/2006">
               <mc:Choice xmlns:v="urn:schemas-microsoft-com:vml" Requires="v">
-                <p:oleObj spid="_x0000_s53347" name="Уравнение" r:id="rId21" imgW="330120" imgH="241200" progId="Equation.3">
+                <p:oleObj spid="_x0000_s53401" name="Уравнение" r:id="rId21" imgW="330120" imgH="241200" progId="Equation.3">
                   <p:embed/>
                 </p:oleObj>
               </mc:Choice>
@@ -31640,7 +31727,7 @@
           <a:graphicData uri="http://schemas.openxmlformats.org/presentationml/2006/ole">
             <mc:AlternateContent xmlns:mc="http://schemas.openxmlformats.org/markup-compatibility/2006">
               <mc:Choice xmlns:v="urn:schemas-microsoft-com:vml" Requires="v">
-                <p:oleObj spid="_x0000_s53348" name="Формула" r:id="rId23" imgW="850680" imgH="241200" progId="Equation.3">
+                <p:oleObj spid="_x0000_s53402" name="Формула" r:id="rId23" imgW="850680" imgH="241200" progId="Equation.3">
                   <p:embed/>
                 </p:oleObj>
               </mc:Choice>
@@ -31858,7 +31945,7 @@
           <a:graphicData uri="http://schemas.openxmlformats.org/presentationml/2006/ole">
             <mc:AlternateContent xmlns:mc="http://schemas.openxmlformats.org/markup-compatibility/2006">
               <mc:Choice xmlns:v="urn:schemas-microsoft-com:vml" Requires="v">
-                <p:oleObj spid="_x0000_s53349" name="Формула" r:id="rId25" imgW="3454200" imgH="253800" progId="Equation.3">
+                <p:oleObj spid="_x0000_s53403" name="Формула" r:id="rId25" imgW="3454200" imgH="253800" progId="Equation.3">
                   <p:embed/>
                 </p:oleObj>
               </mc:Choice>
@@ -32108,7 +32195,7 @@
           <a:graphicData uri="http://schemas.openxmlformats.org/presentationml/2006/ole">
             <mc:AlternateContent xmlns:mc="http://schemas.openxmlformats.org/markup-compatibility/2006">
               <mc:Choice xmlns:v="urn:schemas-microsoft-com:vml" Requires="v">
-                <p:oleObj spid="_x0000_s53350" name="Уравнение" r:id="rId27" imgW="1307880" imgH="431640" progId="Equation.3">
+                <p:oleObj spid="_x0000_s53404" name="Уравнение" r:id="rId27" imgW="1307880" imgH="431640" progId="Equation.3">
                   <p:embed/>
                 </p:oleObj>
               </mc:Choice>
@@ -32226,7 +32313,7 @@
           <a:graphicData uri="http://schemas.openxmlformats.org/presentationml/2006/ole">
             <mc:AlternateContent xmlns:mc="http://schemas.openxmlformats.org/markup-compatibility/2006">
               <mc:Choice xmlns:v="urn:schemas-microsoft-com:vml" Requires="v">
-                <p:oleObj spid="_x0000_s53351" name="Формула" r:id="rId29" imgW="1955520" imgH="393480" progId="Equation.3">
+                <p:oleObj spid="_x0000_s53405" name="Формула" r:id="rId29" imgW="1955520" imgH="393480" progId="Equation.3">
                   <p:embed/>
                 </p:oleObj>
               </mc:Choice>
@@ -32296,7 +32383,7 @@
           <a:graphicData uri="http://schemas.openxmlformats.org/presentationml/2006/ole">
             <mc:AlternateContent xmlns:mc="http://schemas.openxmlformats.org/markup-compatibility/2006">
               <mc:Choice xmlns:v="urn:schemas-microsoft-com:vml" Requires="v">
-                <p:oleObj spid="_x0000_s53352" name="Формула" r:id="rId31" imgW="2844720" imgH="393480" progId="Equation.3">
+                <p:oleObj spid="_x0000_s53406" name="Формула" r:id="rId31" imgW="2844720" imgH="393480" progId="Equation.3">
                   <p:embed/>
                 </p:oleObj>
               </mc:Choice>
@@ -32366,7 +32453,7 @@
           <a:graphicData uri="http://schemas.openxmlformats.org/presentationml/2006/ole">
             <mc:AlternateContent xmlns:mc="http://schemas.openxmlformats.org/markup-compatibility/2006">
               <mc:Choice xmlns:v="urn:schemas-microsoft-com:vml" Requires="v">
-                <p:oleObj spid="_x0000_s53353" name="Уравнение" r:id="rId33" imgW="1460160" imgH="393480" progId="Equation.3">
+                <p:oleObj spid="_x0000_s53407" name="Уравнение" r:id="rId33" imgW="1460160" imgH="393480" progId="Equation.3">
                   <p:embed/>
                 </p:oleObj>
               </mc:Choice>
@@ -32436,7 +32523,7 @@
           <a:graphicData uri="http://schemas.openxmlformats.org/presentationml/2006/ole">
             <mc:AlternateContent xmlns:mc="http://schemas.openxmlformats.org/markup-compatibility/2006">
               <mc:Choice xmlns:v="urn:schemas-microsoft-com:vml" Requires="v">
-                <p:oleObj spid="_x0000_s53354" name="Формула" r:id="rId35" imgW="1346040" imgH="393480" progId="Equation.3">
+                <p:oleObj spid="_x0000_s53408" name="Формула" r:id="rId35" imgW="1346040" imgH="393480" progId="Equation.3">
                   <p:embed/>
                 </p:oleObj>
               </mc:Choice>
@@ -32506,7 +32593,7 @@
           <a:graphicData uri="http://schemas.openxmlformats.org/presentationml/2006/ole">
             <mc:AlternateContent xmlns:mc="http://schemas.openxmlformats.org/markup-compatibility/2006">
               <mc:Choice xmlns:v="urn:schemas-microsoft-com:vml" Requires="v">
-                <p:oleObj spid="_x0000_s53355" name="Формула" r:id="rId37" imgW="647640" imgH="228600" progId="Equation.3">
+                <p:oleObj spid="_x0000_s53409" name="Формула" r:id="rId37" imgW="647640" imgH="228600" progId="Equation.3">
                   <p:embed/>
                 </p:oleObj>
               </mc:Choice>
@@ -33468,7 +33555,7 @@
           <a:graphicData uri="http://schemas.openxmlformats.org/presentationml/2006/ole">
             <mc:AlternateContent xmlns:mc="http://schemas.openxmlformats.org/markup-compatibility/2006">
               <mc:Choice xmlns:v="urn:schemas-microsoft-com:vml" Requires="v">
-                <p:oleObj spid="_x0000_s49824" name="Формула" r:id="rId3" imgW="1422360" imgH="393480" progId="Equation.3">
+                <p:oleObj spid="_x0000_s49869" name="Формула" r:id="rId3" imgW="1422360" imgH="393480" progId="Equation.3">
                   <p:embed/>
                 </p:oleObj>
               </mc:Choice>
@@ -33538,7 +33625,7 @@
           <a:graphicData uri="http://schemas.openxmlformats.org/presentationml/2006/ole">
             <mc:AlternateContent xmlns:mc="http://schemas.openxmlformats.org/markup-compatibility/2006">
               <mc:Choice xmlns:v="urn:schemas-microsoft-com:vml" Requires="v">
-                <p:oleObj spid="_x0000_s49825" name="Формула" r:id="rId5" imgW="1015920" imgH="393480" progId="Equation.3">
+                <p:oleObj spid="_x0000_s49870" name="Формула" r:id="rId5" imgW="1015920" imgH="393480" progId="Equation.3">
                   <p:embed/>
                 </p:oleObj>
               </mc:Choice>
@@ -33608,7 +33695,7 @@
           <a:graphicData uri="http://schemas.openxmlformats.org/presentationml/2006/ole">
             <mc:AlternateContent xmlns:mc="http://schemas.openxmlformats.org/markup-compatibility/2006">
               <mc:Choice xmlns:v="urn:schemas-microsoft-com:vml" Requires="v">
-                <p:oleObj spid="_x0000_s49826" name="Формула" r:id="rId7" imgW="1384200" imgH="393480" progId="Equation.3">
+                <p:oleObj spid="_x0000_s49871" name="Формула" r:id="rId7" imgW="1384200" imgH="393480" progId="Equation.3">
                   <p:embed/>
                 </p:oleObj>
               </mc:Choice>
@@ -33741,7 +33828,7 @@
           <a:graphicData uri="http://schemas.openxmlformats.org/presentationml/2006/ole">
             <mc:AlternateContent xmlns:mc="http://schemas.openxmlformats.org/markup-compatibility/2006">
               <mc:Choice xmlns:v="urn:schemas-microsoft-com:vml" Requires="v">
-                <p:oleObj spid="_x0000_s49827" name="Формула" r:id="rId9" imgW="1866600" imgH="469800" progId="Equation.3">
+                <p:oleObj spid="_x0000_s49872" name="Формула" r:id="rId9" imgW="1866600" imgH="469800" progId="Equation.3">
                   <p:embed/>
                 </p:oleObj>
               </mc:Choice>
@@ -33866,7 +33953,7 @@
           <a:graphicData uri="http://schemas.openxmlformats.org/presentationml/2006/ole">
             <mc:AlternateContent xmlns:mc="http://schemas.openxmlformats.org/markup-compatibility/2006">
               <mc:Choice xmlns:v="urn:schemas-microsoft-com:vml" Requires="v">
-                <p:oleObj spid="_x0000_s49828" name="Формула" r:id="rId11" imgW="1574640" imgH="457200" progId="Equation.3">
+                <p:oleObj spid="_x0000_s49873" name="Формула" r:id="rId11" imgW="1574640" imgH="457200" progId="Equation.3">
                   <p:embed/>
                 </p:oleObj>
               </mc:Choice>
@@ -33999,7 +34086,7 @@
           <a:graphicData uri="http://schemas.openxmlformats.org/presentationml/2006/ole">
             <mc:AlternateContent xmlns:mc="http://schemas.openxmlformats.org/markup-compatibility/2006">
               <mc:Choice xmlns:v="urn:schemas-microsoft-com:vml" Requires="v">
-                <p:oleObj spid="_x0000_s49829" name="Формула" r:id="rId13" imgW="1282680" imgH="495000" progId="Equation.3">
+                <p:oleObj spid="_x0000_s49874" name="Формула" r:id="rId13" imgW="1282680" imgH="495000" progId="Equation.3">
                   <p:embed/>
                 </p:oleObj>
               </mc:Choice>
@@ -34069,7 +34156,7 @@
           <a:graphicData uri="http://schemas.openxmlformats.org/presentationml/2006/ole">
             <mc:AlternateContent xmlns:mc="http://schemas.openxmlformats.org/markup-compatibility/2006">
               <mc:Choice xmlns:v="urn:schemas-microsoft-com:vml" Requires="v">
-                <p:oleObj spid="_x0000_s49830" name="Формула" r:id="rId15" imgW="1485720" imgH="457200" progId="Equation.3">
+                <p:oleObj spid="_x0000_s49875" name="Формула" r:id="rId15" imgW="1485720" imgH="457200" progId="Equation.3">
                   <p:embed/>
                 </p:oleObj>
               </mc:Choice>
@@ -35019,7 +35106,7 @@
           <a:graphicData uri="http://schemas.openxmlformats.org/presentationml/2006/ole">
             <mc:AlternateContent xmlns:mc="http://schemas.openxmlformats.org/markup-compatibility/2006">
               <mc:Choice xmlns:v="urn:schemas-microsoft-com:vml" Requires="v">
-                <p:oleObj spid="_x0000_s49831" name="Формула" r:id="rId17" imgW="863280" imgH="266400" progId="Equation.3">
+                <p:oleObj spid="_x0000_s49876" name="Формула" r:id="rId17" imgW="863280" imgH="266400" progId="Equation.3">
                   <p:embed/>
                 </p:oleObj>
               </mc:Choice>
@@ -35349,7 +35436,7 @@
           <a:graphicData uri="http://schemas.openxmlformats.org/presentationml/2006/ole">
             <mc:AlternateContent xmlns:mc="http://schemas.openxmlformats.org/markup-compatibility/2006">
               <mc:Choice xmlns:v="urn:schemas-microsoft-com:vml" Requires="v">
-                <p:oleObj spid="_x0000_s49832" name="Уравнение" r:id="rId19" imgW="1879560" imgH="228600" progId="Equation.3">
+                <p:oleObj spid="_x0000_s49877" name="Уравнение" r:id="rId19" imgW="1879560" imgH="228600" progId="Equation.3">
                   <p:embed/>
                 </p:oleObj>
               </mc:Choice>
@@ -35419,7 +35506,7 @@
           <a:graphicData uri="http://schemas.openxmlformats.org/presentationml/2006/ole">
             <mc:AlternateContent xmlns:mc="http://schemas.openxmlformats.org/markup-compatibility/2006">
               <mc:Choice xmlns:v="urn:schemas-microsoft-com:vml" Requires="v">
-                <p:oleObj spid="_x0000_s49833" name="Формула" r:id="rId21" imgW="2019240" imgH="228600" progId="Equation.3">
+                <p:oleObj spid="_x0000_s49878" name="Формула" r:id="rId21" imgW="2019240" imgH="228600" progId="Equation.3">
                   <p:embed/>
                 </p:oleObj>
               </mc:Choice>
@@ -35489,7 +35576,7 @@
           <a:graphicData uri="http://schemas.openxmlformats.org/presentationml/2006/ole">
             <mc:AlternateContent xmlns:mc="http://schemas.openxmlformats.org/markup-compatibility/2006">
               <mc:Choice xmlns:v="urn:schemas-microsoft-com:vml" Requires="v">
-                <p:oleObj spid="_x0000_s49834" name="Формула" r:id="rId23" imgW="812520" imgH="393480" progId="Equation.3">
+                <p:oleObj spid="_x0000_s49879" name="Формула" r:id="rId23" imgW="812520" imgH="393480" progId="Equation.3">
                   <p:embed/>
                 </p:oleObj>
               </mc:Choice>
@@ -35708,7 +35795,7 @@
           <a:graphicData uri="http://schemas.openxmlformats.org/presentationml/2006/ole">
             <mc:AlternateContent xmlns:mc="http://schemas.openxmlformats.org/markup-compatibility/2006">
               <mc:Choice xmlns:v="urn:schemas-microsoft-com:vml" Requires="v">
-                <p:oleObj spid="_x0000_s49835" name="Уравнение" r:id="rId25" imgW="685800" imgH="431640" progId="Equation.3">
+                <p:oleObj spid="_x0000_s49880" name="Уравнение" r:id="rId25" imgW="685800" imgH="431640" progId="Equation.3">
                   <p:embed/>
                 </p:oleObj>
               </mc:Choice>
@@ -35913,7 +36000,7 @@
           <a:graphicData uri="http://schemas.openxmlformats.org/presentationml/2006/ole">
             <mc:AlternateContent xmlns:mc="http://schemas.openxmlformats.org/markup-compatibility/2006">
               <mc:Choice xmlns:v="urn:schemas-microsoft-com:vml" Requires="v">
-                <p:oleObj spid="_x0000_s49836" name="Уравнение" r:id="rId27" imgW="164880" imgH="228600" progId="Equation.3">
+                <p:oleObj spid="_x0000_s49881" name="Уравнение" r:id="rId27" imgW="164880" imgH="228600" progId="Equation.3">
                   <p:embed/>
                 </p:oleObj>
               </mc:Choice>
@@ -36097,7 +36184,7 @@
           <a:graphicData uri="http://schemas.openxmlformats.org/presentationml/2006/ole">
             <mc:AlternateContent xmlns:mc="http://schemas.openxmlformats.org/markup-compatibility/2006">
               <mc:Choice xmlns:v="urn:schemas-microsoft-com:vml" Requires="v">
-                <p:oleObj spid="_x0000_s49837" name="Формула" r:id="rId29" imgW="393480" imgH="228600" progId="Equation.3">
+                <p:oleObj spid="_x0000_s49882" name="Формула" r:id="rId29" imgW="393480" imgH="228600" progId="Equation.3">
                   <p:embed/>
                 </p:oleObj>
               </mc:Choice>
@@ -36281,7 +36368,7 @@
           <a:graphicData uri="http://schemas.openxmlformats.org/presentationml/2006/ole">
             <mc:AlternateContent xmlns:mc="http://schemas.openxmlformats.org/markup-compatibility/2006">
               <mc:Choice xmlns:v="urn:schemas-microsoft-com:vml" Requires="v">
-                <p:oleObj spid="_x0000_s49838" name="Picture" r:id="rId31" imgW="3970895" imgH="2272490" progId="Word.Picture.8">
+                <p:oleObj spid="_x0000_s49883" name="Picture" r:id="rId31" imgW="3970895" imgH="2272490" progId="Word.Picture.8">
                   <p:embed/>
                 </p:oleObj>
               </mc:Choice>
@@ -37792,7 +37879,7 @@
           <a:graphicData uri="http://schemas.openxmlformats.org/presentationml/2006/ole">
             <mc:AlternateContent xmlns:mc="http://schemas.openxmlformats.org/markup-compatibility/2006">
               <mc:Choice xmlns:v="urn:schemas-microsoft-com:vml" Requires="v">
-                <p:oleObj spid="_x0000_s47040" name="Формула" r:id="rId4" imgW="1688760" imgH="228600" progId="Equation.3">
+                <p:oleObj spid="_x0000_s47085" name="Формула" r:id="rId4" imgW="1688760" imgH="228600" progId="Equation.3">
                   <p:embed/>
                 </p:oleObj>
               </mc:Choice>
@@ -37985,28 +38072,28 @@
                 <a:gridCol w="957353">
                   <a:extLst>
                     <a:ext uri="{9D8B030D-6E8A-4147-A177-3AD203B41FA5}">
-                      <a16:colId xmlns:a16="http://schemas.microsoft.com/office/drawing/2014/main" val="1044631594"/>
+                      <a16:colId xmlns:a16="http://schemas.microsoft.com/office/drawing/2014/main" xmlns="" val="1044631594"/>
                     </a:ext>
                   </a:extLst>
                 </a:gridCol>
                 <a:gridCol w="957353">
                   <a:extLst>
                     <a:ext uri="{9D8B030D-6E8A-4147-A177-3AD203B41FA5}">
-                      <a16:colId xmlns:a16="http://schemas.microsoft.com/office/drawing/2014/main" val="2558395021"/>
+                      <a16:colId xmlns:a16="http://schemas.microsoft.com/office/drawing/2014/main" xmlns="" val="2558395021"/>
                     </a:ext>
                   </a:extLst>
                 </a:gridCol>
                 <a:gridCol w="957353">
                   <a:extLst>
                     <a:ext uri="{9D8B030D-6E8A-4147-A177-3AD203B41FA5}">
-                      <a16:colId xmlns:a16="http://schemas.microsoft.com/office/drawing/2014/main" val="2212677439"/>
+                      <a16:colId xmlns:a16="http://schemas.microsoft.com/office/drawing/2014/main" xmlns="" val="2212677439"/>
                     </a:ext>
                   </a:extLst>
                 </a:gridCol>
                 <a:gridCol w="957353">
                   <a:extLst>
                     <a:ext uri="{9D8B030D-6E8A-4147-A177-3AD203B41FA5}">
-                      <a16:colId xmlns:a16="http://schemas.microsoft.com/office/drawing/2014/main" val="851063209"/>
+                      <a16:colId xmlns:a16="http://schemas.microsoft.com/office/drawing/2014/main" xmlns="" val="851063209"/>
                     </a:ext>
                   </a:extLst>
                 </a:gridCol>
@@ -38070,7 +38157,7 @@
                 </a:tc>
                 <a:extLst>
                   <a:ext uri="{0D108BD9-81ED-4DB2-BD59-A6C34878D82A}">
-                    <a16:rowId xmlns:a16="http://schemas.microsoft.com/office/drawing/2014/main" val="1185514864"/>
+                    <a16:rowId xmlns:a16="http://schemas.microsoft.com/office/drawing/2014/main" xmlns="" val="1185514864"/>
                   </a:ext>
                 </a:extLst>
               </a:tr>
@@ -38223,7 +38310,7 @@
                 </a:tc>
                 <a:extLst>
                   <a:ext uri="{0D108BD9-81ED-4DB2-BD59-A6C34878D82A}">
-                    <a16:rowId xmlns:a16="http://schemas.microsoft.com/office/drawing/2014/main" val="10001"/>
+                    <a16:rowId xmlns:a16="http://schemas.microsoft.com/office/drawing/2014/main" xmlns="" val="10001"/>
                   </a:ext>
                 </a:extLst>
               </a:tr>
@@ -38513,7 +38600,7 @@
                 </a:tc>
                 <a:extLst>
                   <a:ext uri="{0D108BD9-81ED-4DB2-BD59-A6C34878D82A}">
-                    <a16:rowId xmlns:a16="http://schemas.microsoft.com/office/drawing/2014/main" val="627226478"/>
+                    <a16:rowId xmlns:a16="http://schemas.microsoft.com/office/drawing/2014/main" xmlns="" val="627226478"/>
                   </a:ext>
                 </a:extLst>
               </a:tr>
@@ -38683,7 +38770,7 @@
                 </a:tc>
                 <a:extLst>
                   <a:ext uri="{0D108BD9-81ED-4DB2-BD59-A6C34878D82A}">
-                    <a16:rowId xmlns:a16="http://schemas.microsoft.com/office/drawing/2014/main" val="10003"/>
+                    <a16:rowId xmlns:a16="http://schemas.microsoft.com/office/drawing/2014/main" xmlns="" val="10003"/>
                   </a:ext>
                 </a:extLst>
               </a:tr>
@@ -38713,7 +38800,7 @@
           <a:graphicData uri="http://schemas.openxmlformats.org/presentationml/2006/ole">
             <mc:AlternateContent xmlns:mc="http://schemas.openxmlformats.org/markup-compatibility/2006">
               <mc:Choice xmlns:v="urn:schemas-microsoft-com:vml" Requires="v">
-                <p:oleObj spid="_x0000_s47041" name="Уравнение" r:id="rId6" imgW="406080" imgH="190440" progId="Equation.3">
+                <p:oleObj spid="_x0000_s47086" name="Уравнение" r:id="rId6" imgW="406080" imgH="190440" progId="Equation.3">
                   <p:embed/>
                 </p:oleObj>
               </mc:Choice>
@@ -38783,7 +38870,7 @@
           <a:graphicData uri="http://schemas.openxmlformats.org/presentationml/2006/ole">
             <mc:AlternateContent xmlns:mc="http://schemas.openxmlformats.org/markup-compatibility/2006">
               <mc:Choice xmlns:v="urn:schemas-microsoft-com:vml" Requires="v">
-                <p:oleObj spid="_x0000_s47042" name="Уравнение" r:id="rId8" imgW="419040" imgH="215640" progId="Equation.3">
+                <p:oleObj spid="_x0000_s47087" name="Уравнение" r:id="rId8" imgW="419040" imgH="215640" progId="Equation.3">
                   <p:embed/>
                 </p:oleObj>
               </mc:Choice>
@@ -38853,7 +38940,7 @@
           <a:graphicData uri="http://schemas.openxmlformats.org/presentationml/2006/ole">
             <mc:AlternateContent xmlns:mc="http://schemas.openxmlformats.org/markup-compatibility/2006">
               <mc:Choice xmlns:v="urn:schemas-microsoft-com:vml" Requires="v">
-                <p:oleObj spid="_x0000_s47043" name="Формула" r:id="rId10" imgW="419040" imgH="215640" progId="Equation.3">
+                <p:oleObj spid="_x0000_s47088" name="Формула" r:id="rId10" imgW="419040" imgH="215640" progId="Equation.3">
                   <p:embed/>
                 </p:oleObj>
               </mc:Choice>
@@ -38923,7 +39010,7 @@
           <a:graphicData uri="http://schemas.openxmlformats.org/presentationml/2006/ole">
             <mc:AlternateContent xmlns:mc="http://schemas.openxmlformats.org/markup-compatibility/2006">
               <mc:Choice xmlns:v="urn:schemas-microsoft-com:vml" Requires="v">
-                <p:oleObj spid="_x0000_s47044" name="Формула" r:id="rId12" imgW="304560" imgH="215640" progId="Equation.3">
+                <p:oleObj spid="_x0000_s47089" name="Формула" r:id="rId12" imgW="304560" imgH="215640" progId="Equation.3">
                   <p:embed/>
                 </p:oleObj>
               </mc:Choice>
@@ -39084,7 +39171,7 @@
           <a:graphicData uri="http://schemas.openxmlformats.org/presentationml/2006/ole">
             <mc:AlternateContent xmlns:mc="http://schemas.openxmlformats.org/markup-compatibility/2006">
               <mc:Choice xmlns:v="urn:schemas-microsoft-com:vml" Requires="v">
-                <p:oleObj spid="_x0000_s47045" name="Формула" r:id="rId14" imgW="799920" imgH="228600" progId="Equation.3">
+                <p:oleObj spid="_x0000_s47090" name="Формула" r:id="rId14" imgW="799920" imgH="228600" progId="Equation.3">
                   <p:embed/>
                 </p:oleObj>
               </mc:Choice>
@@ -39134,19 +39221,19 @@
           </p:nvPr>
         </p:nvGraphicFramePr>
         <p:xfrm>
-          <a:off x="200437" y="4000008"/>
+          <a:off x="200025" y="4000500"/>
           <a:ext cx="838200" cy="215900"/>
         </p:xfrm>
         <a:graphic>
           <a:graphicData uri="http://schemas.openxmlformats.org/presentationml/2006/ole">
             <mc:AlternateContent xmlns:mc="http://schemas.openxmlformats.org/markup-compatibility/2006">
               <mc:Choice xmlns:v="urn:schemas-microsoft-com:vml" Requires="v">
-                <p:oleObj spid="_x0000_s47046" name="Equation" r:id="rId16" imgW="838080" imgH="215640" progId="Equation.3">
+                <p:oleObj spid="_x0000_s47091" name="Формула" r:id="rId16" imgW="838080" imgH="215640" progId="Equation.3">
                   <p:embed/>
                 </p:oleObj>
               </mc:Choice>
               <mc:Fallback>
-                <p:oleObj name="Equation" r:id="rId16" imgW="838080" imgH="215640" progId="Equation.3">
+                <p:oleObj name="Формула" r:id="rId16" imgW="838080" imgH="215640" progId="Equation.3">
                   <p:embed/>
                   <p:pic>
                     <p:nvPicPr>
@@ -39162,7 +39249,7 @@
                     </p:blipFill>
                     <p:spPr>
                       <a:xfrm>
-                        <a:off x="200437" y="4000008"/>
+                        <a:off x="200025" y="4000500"/>
                         <a:ext cx="838200" cy="215900"/>
                       </a:xfrm>
                       <a:prstGeom prst="rect">
@@ -39226,7 +39313,7 @@
               <a:graphicData uri="http://schemas.openxmlformats.org/presentationml/2006/ole">
                 <mc:AlternateContent xmlns:mc="http://schemas.openxmlformats.org/markup-compatibility/2006">
                   <mc:Choice xmlns:v="urn:schemas-microsoft-com:vml" Requires="v">
-                    <p:oleObj spid="_x0000_s47047" name="Уравнение" r:id="rId18" imgW="228600" imgH="228600" progId="Equation.3">
+                    <p:oleObj spid="_x0000_s47092" name="Уравнение" r:id="rId18" imgW="228600" imgH="228600" progId="Equation.3">
                       <p:embed/>
                     </p:oleObj>
                   </mc:Choice>
@@ -39296,7 +39383,7 @@
               <a:graphicData uri="http://schemas.openxmlformats.org/presentationml/2006/ole">
                 <mc:AlternateContent xmlns:mc="http://schemas.openxmlformats.org/markup-compatibility/2006">
                   <mc:Choice xmlns:v="urn:schemas-microsoft-com:vml" Requires="v">
-                    <p:oleObj spid="_x0000_s47048" name="Формула" r:id="rId20" imgW="164885" imgH="164885" progId="Equation.3">
+                    <p:oleObj spid="_x0000_s47093" name="Формула" r:id="rId20" imgW="164885" imgH="164885" progId="Equation.3">
                       <p:embed/>
                     </p:oleObj>
                   </mc:Choice>
@@ -39483,7 +39570,7 @@
                     <a:graphicData uri="http://schemas.openxmlformats.org/presentationml/2006/ole">
                       <mc:AlternateContent xmlns:mc="http://schemas.openxmlformats.org/markup-compatibility/2006">
                         <mc:Choice xmlns:v="urn:schemas-microsoft-com:vml" Requires="v">
-                          <p:oleObj spid="_x0000_s47049" name="Уравнение" r:id="rId22" imgW="164880" imgH="228600" progId="Equation.3">
+                          <p:oleObj spid="_x0000_s47094" name="Уравнение" r:id="rId22" imgW="164880" imgH="228600" progId="Equation.3">
                             <p:embed/>
                           </p:oleObj>
                         </mc:Choice>
@@ -39553,7 +39640,7 @@
                     <a:graphicData uri="http://schemas.openxmlformats.org/presentationml/2006/ole">
                       <mc:AlternateContent xmlns:mc="http://schemas.openxmlformats.org/markup-compatibility/2006">
                         <mc:Choice xmlns:v="urn:schemas-microsoft-com:vml" Requires="v">
-                          <p:oleObj spid="_x0000_s47050" name="Equation" r:id="rId24" imgW="228600" imgH="228600" progId="Equation.3">
+                          <p:oleObj spid="_x0000_s47095" name="Equation" r:id="rId24" imgW="228600" imgH="228600" progId="Equation.3">
                             <p:embed/>
                           </p:oleObj>
                         </mc:Choice>
@@ -39623,7 +39710,7 @@
                     <a:graphicData uri="http://schemas.openxmlformats.org/presentationml/2006/ole">
                       <mc:AlternateContent xmlns:mc="http://schemas.openxmlformats.org/markup-compatibility/2006">
                         <mc:Choice xmlns:v="urn:schemas-microsoft-com:vml" Requires="v">
-                          <p:oleObj spid="_x0000_s47051" name="Equation" r:id="rId26" imgW="215640" imgH="228600" progId="Equation.3">
+                          <p:oleObj spid="_x0000_s47096" name="Equation" r:id="rId26" imgW="215640" imgH="228600" progId="Equation.3">
                             <p:embed/>
                           </p:oleObj>
                         </mc:Choice>
@@ -40214,7 +40301,7 @@
                       <a:graphicData uri="http://schemas.openxmlformats.org/presentationml/2006/ole">
                         <mc:AlternateContent xmlns:mc="http://schemas.openxmlformats.org/markup-compatibility/2006">
                           <mc:Choice xmlns:v="urn:schemas-microsoft-com:vml" Requires="v">
-                            <p:oleObj spid="_x0000_s47052" name="Уравнение" r:id="rId28" imgW="203040" imgH="215640" progId="Equation.3">
+                            <p:oleObj spid="_x0000_s47097" name="Уравнение" r:id="rId28" imgW="203040" imgH="215640" progId="Equation.3">
                               <p:embed/>
                             </p:oleObj>
                           </mc:Choice>
@@ -40636,7 +40723,7 @@
           <a:graphicData uri="http://schemas.openxmlformats.org/presentationml/2006/ole">
             <mc:AlternateContent xmlns:mc="http://schemas.openxmlformats.org/markup-compatibility/2006">
               <mc:Choice xmlns:v="urn:schemas-microsoft-com:vml" Requires="v">
-                <p:oleObj spid="_x0000_s47053" name="Формула" r:id="rId30" imgW="1091880" imgH="228600" progId="Equation.3">
+                <p:oleObj spid="_x0000_s47098" name="Формула" r:id="rId30" imgW="1091880" imgH="228600" progId="Equation.3">
                   <p:embed/>
                 </p:oleObj>
               </mc:Choice>
@@ -40693,25 +40780,25 @@
           <p:nvPr>
             <p:extLst>
               <p:ext uri="{D42A27DB-BD31-4B8C-83A1-F6EECF244321}">
-                <p14:modId xmlns:p14="http://schemas.microsoft.com/office/powerpoint/2010/main" val="834478557"/>
+                <p14:modId xmlns:p14="http://schemas.microsoft.com/office/powerpoint/2010/main" val="4198752807"/>
               </p:ext>
             </p:extLst>
           </p:nvPr>
         </p:nvGraphicFramePr>
         <p:xfrm>
-          <a:off x="203200" y="855663"/>
-          <a:ext cx="1905000" cy="228600"/>
+          <a:off x="219075" y="855663"/>
+          <a:ext cx="1930400" cy="228600"/>
         </p:xfrm>
         <a:graphic>
           <a:graphicData uri="http://schemas.openxmlformats.org/presentationml/2006/ole">
             <mc:AlternateContent xmlns:mc="http://schemas.openxmlformats.org/markup-compatibility/2006">
               <mc:Choice xmlns:v="urn:schemas-microsoft-com:vml" Requires="v">
-                <p:oleObj spid="_x0000_s47054" name="Уравнение" r:id="rId32" imgW="1904760" imgH="228600" progId="Equation.3">
+                <p:oleObj spid="_x0000_s47099" name="Формула" r:id="rId32" imgW="1930320" imgH="228600" progId="Equation.3">
                   <p:embed/>
                 </p:oleObj>
               </mc:Choice>
               <mc:Fallback>
-                <p:oleObj name="Уравнение" r:id="rId32" imgW="1904760" imgH="228600" progId="Equation.3">
+                <p:oleObj name="Формула" r:id="rId32" imgW="1930320" imgH="228600" progId="Equation.3">
                   <p:embed/>
                   <p:pic>
                     <p:nvPicPr>
@@ -40730,8 +40817,8 @@
                     </p:blipFill>
                     <p:spPr bwMode="auto">
                       <a:xfrm>
-                        <a:off x="203200" y="855663"/>
-                        <a:ext cx="1905000" cy="228600"/>
+                        <a:off x="219075" y="855663"/>
+                        <a:ext cx="1930400" cy="228600"/>
                       </a:xfrm>
                       <a:prstGeom prst="rect">
                         <a:avLst/>
@@ -40754,8 +40841,8 @@
           </a:graphicData>
         </a:graphic>
       </p:graphicFrame>
-      <mc:AlternateContent xmlns:mc="http://schemas.openxmlformats.org/markup-compatibility/2006" xmlns:a14="http://schemas.microsoft.com/office/drawing/2010/main">
-        <mc:Choice Requires="a14">
+      <mc:AlternateContent xmlns:mc="http://schemas.openxmlformats.org/markup-compatibility/2006">
+        <mc:Choice xmlns:a14="http://schemas.microsoft.com/office/drawing/2010/main" Requires="a14">
           <p:sp>
             <p:nvSpPr>
               <p:cNvPr id="89" name="Прямоугольник 88"/>
@@ -40902,56 +40989,58 @@
                     <a:spcPct val="125000"/>
                   </a:lnSpc>
                 </a:pPr>
-                <a14:m>
-                  <m:oMath xmlns:m="http://schemas.openxmlformats.org/officeDocument/2006/math">
-                    <m:sSub>
-                      <m:sSubPr>
-                        <m:ctrlPr>
-                          <a:rPr lang="en-US" sz="1100" i="1">
-                            <a:latin typeface="Cambria Math" panose="02040503050406030204" pitchFamily="18" charset="0"/>
-                            <a:ea typeface="Cambria Math"/>
-                            <a:cs typeface="Times New Roman" pitchFamily="18" charset="0"/>
-                          </a:rPr>
-                        </m:ctrlPr>
-                      </m:sSubPr>
-                      <m:e>
-                        <m:r>
-                          <a:rPr lang="en-US" sz="1100" b="0" i="1" smtClean="0">
-                            <a:latin typeface="Cambria Math" panose="02040503050406030204" pitchFamily="18" charset="0"/>
-                            <a:ea typeface="Cambria Math"/>
-                            <a:cs typeface="Times New Roman" pitchFamily="18" charset="0"/>
-                          </a:rPr>
-                          <m:t>𝑉</m:t>
-                        </m:r>
-                      </m:e>
-                      <m:sub>
-                        <m:r>
-                          <a:rPr lang="en-US" sz="1100" i="1">
-                            <a:latin typeface="Cambria Math" panose="02040503050406030204" pitchFamily="18" charset="0"/>
-                            <a:ea typeface="Cambria Math"/>
-                            <a:cs typeface="Times New Roman" pitchFamily="18" charset="0"/>
-                          </a:rPr>
-                          <m:t>0</m:t>
-                        </m:r>
-                      </m:sub>
-                    </m:sSub>
-                    <m:r>
-                      <a:rPr lang="ru-RU" sz="1100" i="1">
-                        <a:latin typeface="Cambria Math" panose="02040503050406030204" pitchFamily="18" charset="0"/>
-                        <a:ea typeface="Cambria Math"/>
-                        <a:cs typeface="Times New Roman" pitchFamily="18" charset="0"/>
-                      </a:rPr>
-                      <m:t> −</m:t>
-                    </m:r>
-                  </m:oMath>
-                </a14:m>
+                <a:r>
+                  <a:rPr lang="en-US" sz="1100" i="1" dirty="0" smtClean="0">
+                    <a:latin typeface="Times New Roman" pitchFamily="18" charset="0"/>
+                    <a:ea typeface="Cambria Math"/>
+                    <a:cs typeface="Times New Roman" pitchFamily="18" charset="0"/>
+                  </a:rPr>
+                  <a:t>v</a:t>
+                </a:r>
+                <a:r>
+                  <a:rPr lang="ru-RU" sz="1100" baseline="-25000" dirty="0" smtClean="0">
+                    <a:latin typeface="Times New Roman" pitchFamily="18" charset="0"/>
+                    <a:ea typeface="Cambria Math"/>
+                    <a:cs typeface="Times New Roman" pitchFamily="18" charset="0"/>
+                  </a:rPr>
+                  <a:t>д</a:t>
+                </a:r>
+                <a:r>
+                  <a:rPr lang="en-US" sz="1100" dirty="0" smtClean="0">
+                    <a:latin typeface="Times New Roman" pitchFamily="18" charset="0"/>
+                    <a:cs typeface="Times New Roman" pitchFamily="18" charset="0"/>
+                  </a:rPr>
+                  <a:t> </a:t>
+                </a:r>
+                <a:r>
+                  <a:rPr lang="en-US" sz="1100" dirty="0">
+                    <a:latin typeface="Times New Roman" pitchFamily="18" charset="0"/>
+                    <a:cs typeface="Times New Roman" pitchFamily="18" charset="0"/>
+                  </a:rPr>
+                  <a:t>− </a:t>
+                </a:r>
+                <a:r>
+                  <a:rPr lang="ru-RU" sz="1100" dirty="0" smtClean="0">
+                    <a:latin typeface="Times New Roman" pitchFamily="18" charset="0"/>
+                    <a:cs typeface="Times New Roman" pitchFamily="18" charset="0"/>
+                  </a:rPr>
+                  <a:t>д</a:t>
+                </a:r>
                 <a:r>
                   <a:rPr lang="ru-RU" sz="1100" dirty="0" smtClean="0">
                     <a:latin typeface="Times New Roman" pitchFamily="18" charset="0"/>
                     <a:ea typeface="Cambria Math"/>
                     <a:cs typeface="Times New Roman" pitchFamily="18" charset="0"/>
                   </a:rPr>
-                  <a:t> дульная скорость снаряда; </a:t>
+                  <a:t>ульная </a:t>
+                </a:r>
+                <a:r>
+                  <a:rPr lang="ru-RU" sz="1100" dirty="0" smtClean="0">
+                    <a:latin typeface="Times New Roman" pitchFamily="18" charset="0"/>
+                    <a:ea typeface="Cambria Math"/>
+                    <a:cs typeface="Times New Roman" pitchFamily="18" charset="0"/>
+                  </a:rPr>
+                  <a:t>скорость снаряда; </a:t>
                 </a:r>
                 <a14:m>
                   <m:oMath xmlns:m="http://schemas.openxmlformats.org/officeDocument/2006/math">
@@ -41145,7 +41234,7 @@
             </p:txBody>
           </p:sp>
         </mc:Choice>
-        <mc:Fallback xmlns="">
+        <mc:Fallback>
           <p:sp>
             <p:nvSpPr>
               <p:cNvPr id="89" name="Прямоугольник 88"/>
@@ -41162,7 +41251,7 @@
               <a:prstGeom prst="rect">
                 <a:avLst/>
               </a:prstGeom>
-              <a:blipFill>
+              <a:blipFill rotWithShape="0">
                 <a:blip r:embed="rId34"/>
                 <a:stretch>
                   <a:fillRect l="-94" b="-1911"/>
